--- a/Tencent/Gestaltxu实习生答辩.pptx
+++ b/Tencent/Gestaltxu实习生答辩.pptx
@@ -6,7 +6,7 @@
     <p:sldMasterId id="2147483679" r:id="rId2"/>
   </p:sldMasterIdLst>
   <p:notesMasterIdLst>
-    <p:notesMasterId r:id="rId22"/>
+    <p:notesMasterId r:id="rId26"/>
   </p:notesMasterIdLst>
   <p:sldIdLst>
     <p:sldId id="283" r:id="rId3"/>
@@ -16,18 +16,22 @@
     <p:sldId id="286" r:id="rId7"/>
     <p:sldId id="264" r:id="rId8"/>
     <p:sldId id="265" r:id="rId9"/>
-    <p:sldId id="287" r:id="rId10"/>
-    <p:sldId id="266" r:id="rId11"/>
-    <p:sldId id="298" r:id="rId12"/>
-    <p:sldId id="299" r:id="rId13"/>
-    <p:sldId id="300" r:id="rId14"/>
-    <p:sldId id="288" r:id="rId15"/>
-    <p:sldId id="269" r:id="rId16"/>
-    <p:sldId id="268" r:id="rId17"/>
-    <p:sldId id="270" r:id="rId18"/>
-    <p:sldId id="296" r:id="rId19"/>
-    <p:sldId id="276" r:id="rId20"/>
-    <p:sldId id="291" r:id="rId21"/>
+    <p:sldId id="301" r:id="rId10"/>
+    <p:sldId id="287" r:id="rId11"/>
+    <p:sldId id="266" r:id="rId12"/>
+    <p:sldId id="298" r:id="rId13"/>
+    <p:sldId id="299" r:id="rId14"/>
+    <p:sldId id="302" r:id="rId15"/>
+    <p:sldId id="300" r:id="rId16"/>
+    <p:sldId id="288" r:id="rId17"/>
+    <p:sldId id="269" r:id="rId18"/>
+    <p:sldId id="268" r:id="rId19"/>
+    <p:sldId id="303" r:id="rId20"/>
+    <p:sldId id="270" r:id="rId21"/>
+    <p:sldId id="304" r:id="rId22"/>
+    <p:sldId id="296" r:id="rId23"/>
+    <p:sldId id="276" r:id="rId24"/>
+    <p:sldId id="291" r:id="rId25"/>
   </p:sldIdLst>
   <p:sldSz cx="12192000" cy="6858000"/>
   <p:notesSz cx="6858000" cy="9144000"/>
@@ -219,7 +223,7 @@
           <a:p>
             <a:fld id="{67D9E515-D702-764B-A215-79B14312EF65}" type="datetimeFigureOut">
               <a:rPr kumimoji="1" lang="zh-CN" altLang="en-US" smtClean="0"/>
-              <a:t>2021/8/10</a:t>
+              <a:t>2021/8/18</a:t>
             </a:fld>
             <a:endParaRPr kumimoji="1" lang="zh-CN" altLang="en-US"/>
           </a:p>
@@ -635,7 +639,7 @@
           <a:p>
             <a:fld id="{C81F7DB2-B8EC-9C47-885B-C7A5EAB3413F}" type="slidenum">
               <a:rPr kumimoji="1" lang="zh-CN" altLang="en-US" smtClean="0"/>
-              <a:t>12</a:t>
+              <a:t>14</a:t>
             </a:fld>
             <a:endParaRPr kumimoji="1" lang="zh-CN" altLang="en-US"/>
           </a:p>
@@ -719,7 +723,7 @@
           <a:p>
             <a:fld id="{C81F7DB2-B8EC-9C47-885B-C7A5EAB3413F}" type="slidenum">
               <a:rPr kumimoji="1" lang="zh-CN" altLang="en-US" smtClean="0"/>
-              <a:t>13</a:t>
+              <a:t>15</a:t>
             </a:fld>
             <a:endParaRPr kumimoji="1" lang="zh-CN" altLang="en-US"/>
           </a:p>
@@ -803,7 +807,7 @@
           <a:p>
             <a:fld id="{C81F7DB2-B8EC-9C47-885B-C7A5EAB3413F}" type="slidenum">
               <a:rPr kumimoji="1" lang="zh-CN" altLang="en-US" smtClean="0"/>
-              <a:t>14</a:t>
+              <a:t>16</a:t>
             </a:fld>
             <a:endParaRPr kumimoji="1" lang="zh-CN" altLang="en-US"/>
           </a:p>
@@ -887,7 +891,7 @@
           <a:p>
             <a:fld id="{C81F7DB2-B8EC-9C47-885B-C7A5EAB3413F}" type="slidenum">
               <a:rPr kumimoji="1" lang="zh-CN" altLang="en-US" smtClean="0"/>
-              <a:t>15</a:t>
+              <a:t>17</a:t>
             </a:fld>
             <a:endParaRPr kumimoji="1" lang="zh-CN" altLang="en-US"/>
           </a:p>
@@ -971,7 +975,7 @@
           <a:p>
             <a:fld id="{C81F7DB2-B8EC-9C47-885B-C7A5EAB3413F}" type="slidenum">
               <a:rPr kumimoji="1" lang="zh-CN" altLang="en-US" smtClean="0"/>
-              <a:t>16</a:t>
+              <a:t>19</a:t>
             </a:fld>
             <a:endParaRPr kumimoji="1" lang="zh-CN" altLang="en-US"/>
           </a:p>
@@ -1055,7 +1059,7 @@
           <a:p>
             <a:fld id="{C81F7DB2-B8EC-9C47-885B-C7A5EAB3413F}" type="slidenum">
               <a:rPr kumimoji="1" lang="zh-CN" altLang="en-US" smtClean="0"/>
-              <a:t>18</a:t>
+              <a:t>22</a:t>
             </a:fld>
             <a:endParaRPr kumimoji="1" lang="zh-CN" altLang="en-US"/>
           </a:p>
@@ -1139,7 +1143,7 @@
           <a:p>
             <a:fld id="{C81F7DB2-B8EC-9C47-885B-C7A5EAB3413F}" type="slidenum">
               <a:rPr kumimoji="1" lang="zh-CN" altLang="en-US" smtClean="0"/>
-              <a:t>19</a:t>
+              <a:t>23</a:t>
             </a:fld>
             <a:endParaRPr kumimoji="1" lang="zh-CN" altLang="en-US"/>
           </a:p>
@@ -1727,7 +1731,7 @@
           <a:p>
             <a:fld id="{C81F7DB2-B8EC-9C47-885B-C7A5EAB3413F}" type="slidenum">
               <a:rPr kumimoji="1" lang="zh-CN" altLang="en-US" smtClean="0"/>
-              <a:t>8</a:t>
+              <a:t>9</a:t>
             </a:fld>
             <a:endParaRPr kumimoji="1" lang="zh-CN" altLang="en-US"/>
           </a:p>
@@ -1811,7 +1815,7 @@
           <a:p>
             <a:fld id="{C81F7DB2-B8EC-9C47-885B-C7A5EAB3413F}" type="slidenum">
               <a:rPr kumimoji="1" lang="zh-CN" altLang="en-US" smtClean="0"/>
-              <a:t>9</a:t>
+              <a:t>10</a:t>
             </a:fld>
             <a:endParaRPr kumimoji="1" lang="zh-CN" altLang="en-US"/>
           </a:p>
@@ -16827,6 +16831,1298 @@
       </p:grpSpPr>
       <p:sp>
         <p:nvSpPr>
+          <p:cNvPr id="2" name="文本占位符 1"/>
+          <p:cNvSpPr>
+            <a:spLocks noGrp="1"/>
+          </p:cNvSpPr>
+          <p:nvPr>
+            <p:ph type="body" sz="quarter" idx="10"/>
+          </p:nvPr>
+        </p:nvSpPr>
+        <p:spPr/>
+        <p:txBody>
+          <a:bodyPr/>
+          <a:lstStyle/>
+          <a:p>
+            <a:r>
+              <a:rPr kumimoji="1" lang="en-US" altLang="zh-CN" dirty="0"/>
+              <a:t>03</a:t>
+            </a:r>
+            <a:endParaRPr kumimoji="1" lang="zh-CN" altLang="en-US" dirty="0"/>
+          </a:p>
+        </p:txBody>
+      </p:sp>
+      <p:sp>
+        <p:nvSpPr>
+          <p:cNvPr id="3" name="文本占位符 2"/>
+          <p:cNvSpPr>
+            <a:spLocks noGrp="1"/>
+          </p:cNvSpPr>
+          <p:nvPr>
+            <p:ph type="body" sz="quarter" idx="11"/>
+          </p:nvPr>
+        </p:nvSpPr>
+        <p:spPr/>
+        <p:txBody>
+          <a:bodyPr/>
+          <a:lstStyle/>
+          <a:p>
+            <a:r>
+              <a:rPr kumimoji="1" lang="en-US" altLang="zh-CN" dirty="0"/>
+              <a:t>PART</a:t>
+            </a:r>
+            <a:r>
+              <a:rPr kumimoji="1" lang="zh-CN" altLang="en-US" dirty="0"/>
+              <a:t> </a:t>
+            </a:r>
+            <a:r>
+              <a:rPr kumimoji="1" lang="en-US" altLang="zh-CN" dirty="0"/>
+              <a:t>THREE</a:t>
+            </a:r>
+            <a:endParaRPr kumimoji="1" lang="zh-CN" altLang="en-US" dirty="0"/>
+          </a:p>
+        </p:txBody>
+      </p:sp>
+      <p:sp>
+        <p:nvSpPr>
+          <p:cNvPr id="4" name="文本占位符 3"/>
+          <p:cNvSpPr>
+            <a:spLocks noGrp="1"/>
+          </p:cNvSpPr>
+          <p:nvPr>
+            <p:ph type="body" sz="quarter" idx="12"/>
+          </p:nvPr>
+        </p:nvSpPr>
+        <p:spPr/>
+        <p:txBody>
+          <a:bodyPr/>
+          <a:lstStyle/>
+          <a:p>
+            <a:r>
+              <a:rPr kumimoji="1" lang="zh-CN" altLang="en-US" dirty="0"/>
+              <a:t>工作思考</a:t>
+            </a:r>
+          </a:p>
+        </p:txBody>
+      </p:sp>
+      <p:sp>
+        <p:nvSpPr>
+          <p:cNvPr id="20" name="燕尾形 19"/>
+          <p:cNvSpPr/>
+          <p:nvPr/>
+        </p:nvSpPr>
+        <p:spPr>
+          <a:xfrm>
+            <a:off x="2879619" y="1757360"/>
+            <a:ext cx="812269" cy="1965613"/>
+          </a:xfrm>
+          <a:prstGeom prst="chevron">
+            <a:avLst>
+              <a:gd name="adj" fmla="val 65810"/>
+            </a:avLst>
+          </a:prstGeom>
+          <a:solidFill>
+            <a:schemeClr val="bg1">
+              <a:lumMod val="75000"/>
+            </a:schemeClr>
+          </a:solidFill>
+          <a:ln w="25400" cap="flat" cmpd="sng" algn="ctr">
+            <a:noFill/>
+            <a:prstDash val="solid"/>
+          </a:ln>
+          <a:effectLst/>
+        </p:spPr>
+        <p:txBody>
+          <a:bodyPr rtlCol="0" anchor="ctr"/>
+          <a:lstStyle/>
+          <a:p>
+            <a:pPr algn="ctr" defTabSz="457200">
+              <a:defRPr/>
+            </a:pPr>
+            <a:endParaRPr lang="zh-CN" altLang="en-US" kern="0">
+              <a:solidFill>
+                <a:srgbClr val="000000">
+                  <a:lumMod val="85000"/>
+                  <a:lumOff val="15000"/>
+                </a:srgbClr>
+              </a:solidFill>
+              <a:latin typeface="Arial"/>
+              <a:ea typeface="微软雅黑"/>
+            </a:endParaRPr>
+          </a:p>
+        </p:txBody>
+      </p:sp>
+      <p:sp>
+        <p:nvSpPr>
+          <p:cNvPr id="21" name="矩形 31"/>
+          <p:cNvSpPr/>
+          <p:nvPr/>
+        </p:nvSpPr>
+        <p:spPr>
+          <a:xfrm>
+            <a:off x="3066990" y="2381374"/>
+            <a:ext cx="717570" cy="717569"/>
+          </a:xfrm>
+          <a:prstGeom prst="ellipse">
+            <a:avLst/>
+          </a:prstGeom>
+          <a:solidFill>
+            <a:schemeClr val="bg1">
+              <a:lumMod val="95000"/>
+            </a:schemeClr>
+          </a:solidFill>
+          <a:ln w="25400" cap="flat" cmpd="sng" algn="ctr">
+            <a:solidFill>
+              <a:schemeClr val="accent1"/>
+            </a:solidFill>
+            <a:prstDash val="solid"/>
+          </a:ln>
+          <a:effectLst/>
+        </p:spPr>
+        <p:txBody>
+          <a:bodyPr rtlCol="0" anchor="ctr"/>
+          <a:lstStyle/>
+          <a:p>
+            <a:pPr algn="ctr" defTabSz="457200">
+              <a:defRPr/>
+            </a:pPr>
+            <a:r>
+              <a:rPr lang="en-US" altLang="zh-CN" sz="2400" b="1" kern="0" dirty="0">
+                <a:solidFill>
+                  <a:srgbClr val="000000">
+                    <a:lumMod val="85000"/>
+                    <a:lumOff val="15000"/>
+                  </a:srgbClr>
+                </a:solidFill>
+                <a:latin typeface="微软雅黑"/>
+                <a:ea typeface="微软雅黑"/>
+              </a:rPr>
+              <a:t>1</a:t>
+            </a:r>
+            <a:endParaRPr lang="zh-CN" altLang="en-US" sz="2400" b="1" kern="0" dirty="0">
+              <a:solidFill>
+                <a:srgbClr val="000000">
+                  <a:lumMod val="85000"/>
+                  <a:lumOff val="15000"/>
+                </a:srgbClr>
+              </a:solidFill>
+              <a:latin typeface="微软雅黑"/>
+              <a:ea typeface="微软雅黑"/>
+            </a:endParaRPr>
+          </a:p>
+        </p:txBody>
+      </p:sp>
+      <p:sp>
+        <p:nvSpPr>
+          <p:cNvPr id="22" name="燕尾形 21"/>
+          <p:cNvSpPr/>
+          <p:nvPr/>
+        </p:nvSpPr>
+        <p:spPr>
+          <a:xfrm>
+            <a:off x="6308717" y="1757360"/>
+            <a:ext cx="812269" cy="1965613"/>
+          </a:xfrm>
+          <a:prstGeom prst="chevron">
+            <a:avLst>
+              <a:gd name="adj" fmla="val 65810"/>
+            </a:avLst>
+          </a:prstGeom>
+          <a:solidFill>
+            <a:schemeClr val="accent2"/>
+          </a:solidFill>
+          <a:ln w="25400" cap="flat" cmpd="sng" algn="ctr">
+            <a:noFill/>
+            <a:prstDash val="solid"/>
+          </a:ln>
+          <a:effectLst/>
+        </p:spPr>
+        <p:txBody>
+          <a:bodyPr rtlCol="0" anchor="ctr"/>
+          <a:lstStyle/>
+          <a:p>
+            <a:pPr algn="ctr" defTabSz="457200">
+              <a:defRPr/>
+            </a:pPr>
+            <a:endParaRPr lang="zh-CN" altLang="en-US" kern="0">
+              <a:solidFill>
+                <a:srgbClr val="000000">
+                  <a:lumMod val="85000"/>
+                  <a:lumOff val="15000"/>
+                </a:srgbClr>
+              </a:solidFill>
+              <a:latin typeface="Arial"/>
+              <a:ea typeface="微软雅黑"/>
+            </a:endParaRPr>
+          </a:p>
+        </p:txBody>
+      </p:sp>
+      <p:sp>
+        <p:nvSpPr>
+          <p:cNvPr id="23" name="燕尾形 22"/>
+          <p:cNvSpPr/>
+          <p:nvPr/>
+        </p:nvSpPr>
+        <p:spPr>
+          <a:xfrm>
+            <a:off x="9737816" y="1757360"/>
+            <a:ext cx="812269" cy="1965613"/>
+          </a:xfrm>
+          <a:prstGeom prst="chevron">
+            <a:avLst>
+              <a:gd name="adj" fmla="val 65810"/>
+            </a:avLst>
+          </a:prstGeom>
+          <a:solidFill>
+            <a:schemeClr val="accent1"/>
+          </a:solidFill>
+          <a:ln w="25400" cap="flat" cmpd="sng" algn="ctr">
+            <a:noFill/>
+            <a:prstDash val="solid"/>
+          </a:ln>
+          <a:effectLst/>
+        </p:spPr>
+        <p:txBody>
+          <a:bodyPr rtlCol="0" anchor="ctr"/>
+          <a:lstStyle/>
+          <a:p>
+            <a:pPr algn="ctr" defTabSz="457200">
+              <a:defRPr/>
+            </a:pPr>
+            <a:endParaRPr lang="zh-CN" altLang="en-US" kern="0">
+              <a:solidFill>
+                <a:srgbClr val="000000">
+                  <a:lumMod val="85000"/>
+                  <a:lumOff val="15000"/>
+                </a:srgbClr>
+              </a:solidFill>
+              <a:latin typeface="Arial"/>
+              <a:ea typeface="微软雅黑"/>
+            </a:endParaRPr>
+          </a:p>
+        </p:txBody>
+      </p:sp>
+      <p:sp>
+        <p:nvSpPr>
+          <p:cNvPr id="24" name="矩形 31"/>
+          <p:cNvSpPr/>
+          <p:nvPr/>
+        </p:nvSpPr>
+        <p:spPr>
+          <a:xfrm>
+            <a:off x="6568646" y="2381374"/>
+            <a:ext cx="717570" cy="717569"/>
+          </a:xfrm>
+          <a:prstGeom prst="ellipse">
+            <a:avLst/>
+          </a:prstGeom>
+          <a:solidFill>
+            <a:schemeClr val="bg1">
+              <a:lumMod val="95000"/>
+            </a:schemeClr>
+          </a:solidFill>
+          <a:ln w="25400" cap="flat" cmpd="sng" algn="ctr">
+            <a:solidFill>
+              <a:schemeClr val="accent1"/>
+            </a:solidFill>
+            <a:prstDash val="solid"/>
+          </a:ln>
+          <a:effectLst/>
+        </p:spPr>
+        <p:txBody>
+          <a:bodyPr rtlCol="0" anchor="ctr"/>
+          <a:lstStyle/>
+          <a:p>
+            <a:pPr algn="ctr" defTabSz="457200">
+              <a:defRPr/>
+            </a:pPr>
+            <a:r>
+              <a:rPr lang="en-US" altLang="zh-CN" sz="2400" b="1" kern="0" dirty="0">
+                <a:solidFill>
+                  <a:srgbClr val="000000">
+                    <a:lumMod val="85000"/>
+                    <a:lumOff val="15000"/>
+                  </a:srgbClr>
+                </a:solidFill>
+                <a:latin typeface="微软雅黑"/>
+                <a:ea typeface="微软雅黑"/>
+              </a:rPr>
+              <a:t>2</a:t>
+            </a:r>
+            <a:endParaRPr lang="zh-CN" altLang="en-US" sz="2400" b="1" kern="0" dirty="0">
+              <a:solidFill>
+                <a:srgbClr val="000000">
+                  <a:lumMod val="85000"/>
+                  <a:lumOff val="15000"/>
+                </a:srgbClr>
+              </a:solidFill>
+              <a:latin typeface="微软雅黑"/>
+              <a:ea typeface="微软雅黑"/>
+            </a:endParaRPr>
+          </a:p>
+        </p:txBody>
+      </p:sp>
+      <p:sp>
+        <p:nvSpPr>
+          <p:cNvPr id="25" name="矩形 31"/>
+          <p:cNvSpPr/>
+          <p:nvPr/>
+        </p:nvSpPr>
+        <p:spPr>
+          <a:xfrm>
+            <a:off x="9963977" y="2381374"/>
+            <a:ext cx="717570" cy="717569"/>
+          </a:xfrm>
+          <a:prstGeom prst="ellipse">
+            <a:avLst/>
+          </a:prstGeom>
+          <a:solidFill>
+            <a:schemeClr val="bg1">
+              <a:lumMod val="95000"/>
+            </a:schemeClr>
+          </a:solidFill>
+          <a:ln w="25400" cap="flat" cmpd="sng" algn="ctr">
+            <a:solidFill>
+              <a:schemeClr val="accent1"/>
+            </a:solidFill>
+            <a:prstDash val="solid"/>
+          </a:ln>
+          <a:effectLst/>
+        </p:spPr>
+        <p:txBody>
+          <a:bodyPr rtlCol="0" anchor="ctr"/>
+          <a:lstStyle/>
+          <a:p>
+            <a:pPr algn="ctr" defTabSz="457200">
+              <a:defRPr/>
+            </a:pPr>
+            <a:r>
+              <a:rPr lang="en-US" altLang="zh-CN" sz="2400" b="1" kern="0" dirty="0">
+                <a:solidFill>
+                  <a:srgbClr val="000000">
+                    <a:lumMod val="85000"/>
+                    <a:lumOff val="15000"/>
+                  </a:srgbClr>
+                </a:solidFill>
+                <a:latin typeface="微软雅黑"/>
+                <a:ea typeface="微软雅黑"/>
+              </a:rPr>
+              <a:t>3</a:t>
+            </a:r>
+            <a:endParaRPr lang="zh-CN" altLang="en-US" sz="2400" b="1" kern="0" dirty="0">
+              <a:solidFill>
+                <a:srgbClr val="000000">
+                  <a:lumMod val="85000"/>
+                  <a:lumOff val="15000"/>
+                </a:srgbClr>
+              </a:solidFill>
+              <a:latin typeface="微软雅黑"/>
+              <a:ea typeface="微软雅黑"/>
+            </a:endParaRPr>
+          </a:p>
+        </p:txBody>
+      </p:sp>
+      <p:sp>
+        <p:nvSpPr>
+          <p:cNvPr id="26" name="矩形 25"/>
+          <p:cNvSpPr/>
+          <p:nvPr/>
+        </p:nvSpPr>
+        <p:spPr>
+          <a:xfrm>
+            <a:off x="532745" y="1981264"/>
+            <a:ext cx="697627" cy="400110"/>
+          </a:xfrm>
+          <a:prstGeom prst="rect">
+            <a:avLst/>
+          </a:prstGeom>
+        </p:spPr>
+        <p:txBody>
+          <a:bodyPr wrap="none">
+            <a:spAutoFit/>
+          </a:bodyPr>
+          <a:lstStyle/>
+          <a:p>
+            <a:r>
+              <a:rPr lang="zh-CN" altLang="en-US" sz="2000" b="1" dirty="0">
+                <a:solidFill>
+                  <a:srgbClr val="000000">
+                    <a:lumMod val="85000"/>
+                    <a:lumOff val="15000"/>
+                  </a:srgbClr>
+                </a:solidFill>
+                <a:latin typeface="微软雅黑"/>
+                <a:ea typeface="微软雅黑"/>
+              </a:rPr>
+              <a:t>调研</a:t>
+            </a:r>
+          </a:p>
+        </p:txBody>
+      </p:sp>
+      <p:sp>
+        <p:nvSpPr>
+          <p:cNvPr id="27" name="矩形 26"/>
+          <p:cNvSpPr/>
+          <p:nvPr/>
+        </p:nvSpPr>
+        <p:spPr>
+          <a:xfrm>
+            <a:off x="521629" y="2381374"/>
+            <a:ext cx="2147605" cy="1122102"/>
+          </a:xfrm>
+          <a:prstGeom prst="rect">
+            <a:avLst/>
+          </a:prstGeom>
+        </p:spPr>
+        <p:txBody>
+          <a:bodyPr wrap="square">
+            <a:spAutoFit/>
+          </a:bodyPr>
+          <a:lstStyle/>
+          <a:p>
+            <a:pPr>
+              <a:lnSpc>
+                <a:spcPct val="130000"/>
+              </a:lnSpc>
+            </a:pPr>
+            <a:r>
+              <a:rPr lang="zh-CN" altLang="en-US" sz="1050" dirty="0">
+                <a:solidFill>
+                  <a:srgbClr val="000000">
+                    <a:lumMod val="85000"/>
+                    <a:lumOff val="15000"/>
+                  </a:srgbClr>
+                </a:solidFill>
+                <a:latin typeface="微软雅黑" charset="0"/>
+                <a:ea typeface="微软雅黑" charset="0"/>
+              </a:rPr>
+              <a:t>列举项目需求</a:t>
+            </a:r>
+            <a:endParaRPr lang="en-US" altLang="zh-CN" sz="1050" dirty="0">
+              <a:solidFill>
+                <a:srgbClr val="000000">
+                  <a:lumMod val="85000"/>
+                  <a:lumOff val="15000"/>
+                </a:srgbClr>
+              </a:solidFill>
+              <a:latin typeface="微软雅黑" charset="0"/>
+              <a:ea typeface="微软雅黑" charset="0"/>
+            </a:endParaRPr>
+          </a:p>
+          <a:p>
+            <a:pPr>
+              <a:lnSpc>
+                <a:spcPct val="130000"/>
+              </a:lnSpc>
+            </a:pPr>
+            <a:r>
+              <a:rPr lang="zh-CN" altLang="en-US" sz="1050" dirty="0">
+                <a:solidFill>
+                  <a:srgbClr val="000000">
+                    <a:lumMod val="85000"/>
+                    <a:lumOff val="15000"/>
+                  </a:srgbClr>
+                </a:solidFill>
+                <a:latin typeface="微软雅黑" charset="0"/>
+                <a:ea typeface="微软雅黑" charset="0"/>
+              </a:rPr>
+              <a:t>模块化分类分工</a:t>
+            </a:r>
+            <a:endParaRPr lang="en-US" altLang="zh-CN" sz="1050" dirty="0">
+              <a:solidFill>
+                <a:srgbClr val="000000">
+                  <a:lumMod val="85000"/>
+                  <a:lumOff val="15000"/>
+                </a:srgbClr>
+              </a:solidFill>
+              <a:latin typeface="微软雅黑" charset="0"/>
+              <a:ea typeface="微软雅黑" charset="0"/>
+            </a:endParaRPr>
+          </a:p>
+          <a:p>
+            <a:pPr>
+              <a:lnSpc>
+                <a:spcPct val="130000"/>
+              </a:lnSpc>
+            </a:pPr>
+            <a:r>
+              <a:rPr lang="zh-CN" altLang="en-US" sz="1050" dirty="0">
+                <a:solidFill>
+                  <a:srgbClr val="000000">
+                    <a:lumMod val="85000"/>
+                    <a:lumOff val="15000"/>
+                  </a:srgbClr>
+                </a:solidFill>
+                <a:latin typeface="微软雅黑" charset="0"/>
+                <a:ea typeface="微软雅黑" charset="0"/>
+              </a:rPr>
+              <a:t>针对需求寻找优化的解决方案</a:t>
+            </a:r>
+            <a:endParaRPr lang="en-US" altLang="zh-CN" sz="1050" dirty="0">
+              <a:solidFill>
+                <a:srgbClr val="000000">
+                  <a:lumMod val="85000"/>
+                  <a:lumOff val="15000"/>
+                </a:srgbClr>
+              </a:solidFill>
+              <a:latin typeface="微软雅黑" charset="0"/>
+              <a:ea typeface="微软雅黑" charset="0"/>
+            </a:endParaRPr>
+          </a:p>
+          <a:p>
+            <a:pPr>
+              <a:lnSpc>
+                <a:spcPct val="130000"/>
+              </a:lnSpc>
+            </a:pPr>
+            <a:r>
+              <a:rPr lang="zh-CN" altLang="en-US" sz="1050" dirty="0">
+                <a:solidFill>
+                  <a:srgbClr val="000000">
+                    <a:lumMod val="85000"/>
+                    <a:lumOff val="15000"/>
+                  </a:srgbClr>
+                </a:solidFill>
+                <a:latin typeface="微软雅黑" charset="0"/>
+                <a:ea typeface="微软雅黑" charset="0"/>
+              </a:rPr>
+              <a:t>做实验，做对比</a:t>
+            </a:r>
+            <a:endParaRPr lang="en-US" altLang="zh-CN" sz="1050" dirty="0">
+              <a:solidFill>
+                <a:srgbClr val="000000">
+                  <a:lumMod val="85000"/>
+                  <a:lumOff val="15000"/>
+                </a:srgbClr>
+              </a:solidFill>
+              <a:latin typeface="微软雅黑" charset="0"/>
+              <a:ea typeface="微软雅黑" charset="0"/>
+            </a:endParaRPr>
+          </a:p>
+          <a:p>
+            <a:pPr>
+              <a:lnSpc>
+                <a:spcPct val="130000"/>
+              </a:lnSpc>
+            </a:pPr>
+            <a:r>
+              <a:rPr lang="zh-CN" altLang="en-US" sz="1050" b="1" dirty="0">
+                <a:solidFill>
+                  <a:srgbClr val="000000">
+                    <a:lumMod val="85000"/>
+                    <a:lumOff val="15000"/>
+                  </a:srgbClr>
+                </a:solidFill>
+                <a:latin typeface="微软雅黑" charset="0"/>
+                <a:ea typeface="微软雅黑" charset="0"/>
+              </a:rPr>
+              <a:t>调研工期不应被压缩</a:t>
+            </a:r>
+            <a:endParaRPr lang="zh-CN" altLang="en-US" sz="1050" b="1" dirty="0">
+              <a:solidFill>
+                <a:srgbClr val="000000">
+                  <a:lumMod val="85000"/>
+                  <a:lumOff val="15000"/>
+                </a:srgbClr>
+              </a:solidFill>
+              <a:latin typeface="微软雅黑"/>
+              <a:ea typeface="微软雅黑"/>
+            </a:endParaRPr>
+          </a:p>
+        </p:txBody>
+      </p:sp>
+      <p:sp>
+        <p:nvSpPr>
+          <p:cNvPr id="28" name="矩形 27"/>
+          <p:cNvSpPr/>
+          <p:nvPr/>
+        </p:nvSpPr>
+        <p:spPr>
+          <a:xfrm>
+            <a:off x="3984782" y="1981264"/>
+            <a:ext cx="697627" cy="400110"/>
+          </a:xfrm>
+          <a:prstGeom prst="rect">
+            <a:avLst/>
+          </a:prstGeom>
+        </p:spPr>
+        <p:txBody>
+          <a:bodyPr wrap="none">
+            <a:spAutoFit/>
+          </a:bodyPr>
+          <a:lstStyle/>
+          <a:p>
+            <a:r>
+              <a:rPr lang="zh-CN" altLang="en-US" sz="2000" b="1" dirty="0">
+                <a:solidFill>
+                  <a:srgbClr val="000000">
+                    <a:lumMod val="85000"/>
+                    <a:lumOff val="15000"/>
+                  </a:srgbClr>
+                </a:solidFill>
+                <a:latin typeface="微软雅黑"/>
+                <a:ea typeface="微软雅黑"/>
+              </a:rPr>
+              <a:t>开发</a:t>
+            </a:r>
+          </a:p>
+        </p:txBody>
+      </p:sp>
+      <p:sp>
+        <p:nvSpPr>
+          <p:cNvPr id="29" name="矩形 28"/>
+          <p:cNvSpPr/>
+          <p:nvPr/>
+        </p:nvSpPr>
+        <p:spPr>
+          <a:xfrm>
+            <a:off x="3973666" y="2381374"/>
+            <a:ext cx="2147605" cy="701987"/>
+          </a:xfrm>
+          <a:prstGeom prst="rect">
+            <a:avLst/>
+          </a:prstGeom>
+        </p:spPr>
+        <p:txBody>
+          <a:bodyPr wrap="square">
+            <a:spAutoFit/>
+          </a:bodyPr>
+          <a:lstStyle/>
+          <a:p>
+            <a:pPr>
+              <a:lnSpc>
+                <a:spcPct val="130000"/>
+              </a:lnSpc>
+            </a:pPr>
+            <a:r>
+              <a:rPr lang="zh-CN" altLang="en-US" sz="1050" dirty="0">
+                <a:solidFill>
+                  <a:srgbClr val="000000">
+                    <a:lumMod val="85000"/>
+                    <a:lumOff val="15000"/>
+                  </a:srgbClr>
+                </a:solidFill>
+                <a:latin typeface="微软雅黑" charset="0"/>
+                <a:ea typeface="微软雅黑" charset="0"/>
+              </a:rPr>
+              <a:t>根据调研结果分工开发</a:t>
+            </a:r>
+            <a:endParaRPr lang="en-US" altLang="zh-CN" sz="1050" dirty="0">
+              <a:solidFill>
+                <a:srgbClr val="000000">
+                  <a:lumMod val="85000"/>
+                  <a:lumOff val="15000"/>
+                </a:srgbClr>
+              </a:solidFill>
+              <a:latin typeface="微软雅黑" charset="0"/>
+              <a:ea typeface="微软雅黑" charset="0"/>
+            </a:endParaRPr>
+          </a:p>
+          <a:p>
+            <a:pPr>
+              <a:lnSpc>
+                <a:spcPct val="130000"/>
+              </a:lnSpc>
+            </a:pPr>
+            <a:r>
+              <a:rPr lang="zh-CN" altLang="en-US" sz="1050" dirty="0">
+                <a:solidFill>
+                  <a:srgbClr val="000000">
+                    <a:lumMod val="85000"/>
+                    <a:lumOff val="15000"/>
+                  </a:srgbClr>
+                </a:solidFill>
+                <a:latin typeface="微软雅黑" charset="0"/>
+                <a:ea typeface="微软雅黑" charset="0"/>
+              </a:rPr>
+              <a:t>低耦合！</a:t>
+            </a:r>
+            <a:r>
+              <a:rPr lang="zh-CN" altLang="en-US" sz="1050" dirty="0">
+                <a:solidFill>
+                  <a:srgbClr val="000000">
+                    <a:lumMod val="85000"/>
+                    <a:lumOff val="15000"/>
+                  </a:srgbClr>
+                </a:solidFill>
+                <a:latin typeface="微软雅黑"/>
+                <a:ea typeface="微软雅黑"/>
+              </a:rPr>
+              <a:t>可复用！</a:t>
+            </a:r>
+            <a:endParaRPr lang="en-US" altLang="zh-CN" sz="1050" dirty="0">
+              <a:solidFill>
+                <a:srgbClr val="000000">
+                  <a:lumMod val="85000"/>
+                  <a:lumOff val="15000"/>
+                </a:srgbClr>
+              </a:solidFill>
+              <a:latin typeface="微软雅黑"/>
+              <a:ea typeface="微软雅黑"/>
+            </a:endParaRPr>
+          </a:p>
+          <a:p>
+            <a:pPr>
+              <a:lnSpc>
+                <a:spcPct val="130000"/>
+              </a:lnSpc>
+            </a:pPr>
+            <a:r>
+              <a:rPr lang="zh-CN" altLang="en-US" sz="1050" dirty="0">
+                <a:solidFill>
+                  <a:srgbClr val="000000">
+                    <a:lumMod val="85000"/>
+                    <a:lumOff val="15000"/>
+                  </a:srgbClr>
+                </a:solidFill>
+                <a:latin typeface="微软雅黑" charset="0"/>
+                <a:ea typeface="微软雅黑" charset="0"/>
+              </a:rPr>
+              <a:t>细粒度提交</a:t>
+            </a:r>
+            <a:endParaRPr lang="en-US" altLang="zh-CN" sz="1050" dirty="0">
+              <a:solidFill>
+                <a:srgbClr val="000000">
+                  <a:lumMod val="85000"/>
+                  <a:lumOff val="15000"/>
+                </a:srgbClr>
+              </a:solidFill>
+              <a:latin typeface="微软雅黑" charset="0"/>
+              <a:ea typeface="微软雅黑" charset="0"/>
+            </a:endParaRPr>
+          </a:p>
+        </p:txBody>
+      </p:sp>
+      <p:sp>
+        <p:nvSpPr>
+          <p:cNvPr id="30" name="矩形 29"/>
+          <p:cNvSpPr/>
+          <p:nvPr/>
+        </p:nvSpPr>
+        <p:spPr>
+          <a:xfrm>
+            <a:off x="7557321" y="1981264"/>
+            <a:ext cx="697627" cy="400110"/>
+          </a:xfrm>
+          <a:prstGeom prst="rect">
+            <a:avLst/>
+          </a:prstGeom>
+        </p:spPr>
+        <p:txBody>
+          <a:bodyPr wrap="none">
+            <a:spAutoFit/>
+          </a:bodyPr>
+          <a:lstStyle/>
+          <a:p>
+            <a:r>
+              <a:rPr lang="zh-CN" altLang="en-US" sz="2000" b="1" dirty="0">
+                <a:solidFill>
+                  <a:srgbClr val="000000">
+                    <a:lumMod val="85000"/>
+                    <a:lumOff val="15000"/>
+                  </a:srgbClr>
+                </a:solidFill>
+                <a:latin typeface="微软雅黑"/>
+                <a:ea typeface="微软雅黑"/>
+              </a:rPr>
+              <a:t>自测</a:t>
+            </a:r>
+          </a:p>
+        </p:txBody>
+      </p:sp>
+      <p:sp>
+        <p:nvSpPr>
+          <p:cNvPr id="31" name="矩形 30"/>
+          <p:cNvSpPr/>
+          <p:nvPr/>
+        </p:nvSpPr>
+        <p:spPr>
+          <a:xfrm>
+            <a:off x="7546205" y="2381374"/>
+            <a:ext cx="2147605" cy="701987"/>
+          </a:xfrm>
+          <a:prstGeom prst="rect">
+            <a:avLst/>
+          </a:prstGeom>
+        </p:spPr>
+        <p:txBody>
+          <a:bodyPr wrap="square">
+            <a:spAutoFit/>
+          </a:bodyPr>
+          <a:lstStyle/>
+          <a:p>
+            <a:pPr>
+              <a:lnSpc>
+                <a:spcPct val="130000"/>
+              </a:lnSpc>
+            </a:pPr>
+            <a:r>
+              <a:rPr lang="zh-CN" altLang="en-US" sz="1050" dirty="0">
+                <a:solidFill>
+                  <a:srgbClr val="000000">
+                    <a:lumMod val="85000"/>
+                    <a:lumOff val="15000"/>
+                  </a:srgbClr>
+                </a:solidFill>
+                <a:latin typeface="微软雅黑" charset="0"/>
+                <a:ea typeface="微软雅黑" charset="0"/>
+              </a:rPr>
+              <a:t>编译问题</a:t>
+            </a:r>
+            <a:endParaRPr lang="en-US" altLang="zh-CN" sz="1050" dirty="0">
+              <a:solidFill>
+                <a:srgbClr val="000000">
+                  <a:lumMod val="85000"/>
+                  <a:lumOff val="15000"/>
+                </a:srgbClr>
+              </a:solidFill>
+              <a:latin typeface="微软雅黑" charset="0"/>
+              <a:ea typeface="微软雅黑" charset="0"/>
+            </a:endParaRPr>
+          </a:p>
+          <a:p>
+            <a:pPr>
+              <a:lnSpc>
+                <a:spcPct val="130000"/>
+              </a:lnSpc>
+            </a:pPr>
+            <a:r>
+              <a:rPr lang="zh-CN" altLang="en-US" sz="1050" dirty="0">
+                <a:solidFill>
+                  <a:srgbClr val="000000">
+                    <a:lumMod val="85000"/>
+                    <a:lumOff val="15000"/>
+                  </a:srgbClr>
+                </a:solidFill>
+                <a:latin typeface="微软雅黑" charset="0"/>
+                <a:ea typeface="微软雅黑" charset="0"/>
+              </a:rPr>
+              <a:t>链接问题</a:t>
+            </a:r>
+            <a:endParaRPr lang="en-US" altLang="zh-CN" sz="1050" dirty="0">
+              <a:solidFill>
+                <a:srgbClr val="000000">
+                  <a:lumMod val="85000"/>
+                  <a:lumOff val="15000"/>
+                </a:srgbClr>
+              </a:solidFill>
+              <a:latin typeface="微软雅黑" charset="0"/>
+              <a:ea typeface="微软雅黑" charset="0"/>
+            </a:endParaRPr>
+          </a:p>
+          <a:p>
+            <a:pPr>
+              <a:lnSpc>
+                <a:spcPct val="130000"/>
+              </a:lnSpc>
+            </a:pPr>
+            <a:r>
+              <a:rPr lang="zh-CN" altLang="en-US" sz="1050" dirty="0">
+                <a:solidFill>
+                  <a:srgbClr val="000000">
+                    <a:lumMod val="85000"/>
+                    <a:lumOff val="15000"/>
+                  </a:srgbClr>
+                </a:solidFill>
+                <a:latin typeface="微软雅黑" charset="0"/>
+                <a:ea typeface="微软雅黑" charset="0"/>
+              </a:rPr>
+              <a:t>逻辑问题</a:t>
+            </a:r>
+            <a:endParaRPr lang="zh-CN" altLang="en-US" sz="1050" dirty="0">
+              <a:solidFill>
+                <a:srgbClr val="000000">
+                  <a:lumMod val="85000"/>
+                  <a:lumOff val="15000"/>
+                </a:srgbClr>
+              </a:solidFill>
+              <a:latin typeface="微软雅黑"/>
+              <a:ea typeface="微软雅黑"/>
+            </a:endParaRPr>
+          </a:p>
+        </p:txBody>
+      </p:sp>
+      <p:sp>
+        <p:nvSpPr>
+          <p:cNvPr id="32" name="矩形 31"/>
+          <p:cNvSpPr/>
+          <p:nvPr/>
+        </p:nvSpPr>
+        <p:spPr>
+          <a:xfrm>
+            <a:off x="561620" y="4561255"/>
+            <a:ext cx="4493538" cy="461665"/>
+          </a:xfrm>
+          <a:prstGeom prst="rect">
+            <a:avLst/>
+          </a:prstGeom>
+        </p:spPr>
+        <p:txBody>
+          <a:bodyPr wrap="none">
+            <a:spAutoFit/>
+          </a:bodyPr>
+          <a:lstStyle/>
+          <a:p>
+            <a:r>
+              <a:rPr lang="zh-CN" altLang="en-US" sz="2400" b="1" dirty="0">
+                <a:solidFill>
+                  <a:srgbClr val="000000">
+                    <a:lumMod val="85000"/>
+                    <a:lumOff val="15000"/>
+                  </a:srgbClr>
+                </a:solidFill>
+                <a:latin typeface="微软雅黑"/>
+                <a:ea typeface="微软雅黑"/>
+              </a:rPr>
+              <a:t>工作流程：常被忽略的调研步骤</a:t>
+            </a:r>
+          </a:p>
+        </p:txBody>
+      </p:sp>
+      <p:sp>
+        <p:nvSpPr>
+          <p:cNvPr id="33" name="矩形 32"/>
+          <p:cNvSpPr/>
+          <p:nvPr/>
+        </p:nvSpPr>
+        <p:spPr>
+          <a:xfrm>
+            <a:off x="550505" y="5012239"/>
+            <a:ext cx="7240137" cy="670120"/>
+          </a:xfrm>
+          <a:prstGeom prst="rect">
+            <a:avLst/>
+          </a:prstGeom>
+        </p:spPr>
+        <p:txBody>
+          <a:bodyPr wrap="square">
+            <a:spAutoFit/>
+          </a:bodyPr>
+          <a:lstStyle/>
+          <a:p>
+            <a:pPr algn="just">
+              <a:lnSpc>
+                <a:spcPct val="130000"/>
+              </a:lnSpc>
+            </a:pPr>
+            <a:r>
+              <a:rPr lang="zh-CN" altLang="en-US" sz="3200" dirty="0">
+                <a:solidFill>
+                  <a:srgbClr val="000000">
+                    <a:lumMod val="85000"/>
+                    <a:lumOff val="15000"/>
+                  </a:srgbClr>
+                </a:solidFill>
+                <a:latin typeface="微软雅黑" charset="0"/>
+                <a:ea typeface="微软雅黑" charset="0"/>
+              </a:rPr>
+              <a:t>以日志库重构项目为例</a:t>
+            </a:r>
+            <a:endParaRPr lang="zh-CN" altLang="en-US" sz="3200" dirty="0">
+              <a:solidFill>
+                <a:srgbClr val="000000">
+                  <a:lumMod val="85000"/>
+                  <a:lumOff val="15000"/>
+                </a:srgbClr>
+              </a:solidFill>
+              <a:latin typeface="微软雅黑"/>
+              <a:ea typeface="微软雅黑"/>
+            </a:endParaRPr>
+          </a:p>
+        </p:txBody>
+      </p:sp>
+      <p:sp>
+        <p:nvSpPr>
+          <p:cNvPr id="34" name="矩形 33"/>
+          <p:cNvSpPr/>
+          <p:nvPr/>
+        </p:nvSpPr>
+        <p:spPr>
+          <a:xfrm>
+            <a:off x="400350" y="4322972"/>
+            <a:ext cx="7964004" cy="1772093"/>
+          </a:xfrm>
+          <a:prstGeom prst="rect">
+            <a:avLst/>
+          </a:prstGeom>
+          <a:noFill/>
+          <a:ln w="76200" cap="flat" cmpd="sng" algn="ctr">
+            <a:solidFill>
+              <a:schemeClr val="accent1"/>
+            </a:solidFill>
+            <a:prstDash val="solid"/>
+            <a:miter lim="800000"/>
+          </a:ln>
+          <a:effectLst/>
+        </p:spPr>
+        <p:txBody>
+          <a:bodyPr rtlCol="0" anchor="ctr"/>
+          <a:lstStyle/>
+          <a:p>
+            <a:pPr algn="ctr" defTabSz="914400">
+              <a:defRPr/>
+            </a:pPr>
+            <a:endParaRPr lang="zh-CN" altLang="en-US" kern="0">
+              <a:solidFill>
+                <a:srgbClr val="000000">
+                  <a:lumMod val="85000"/>
+                  <a:lumOff val="15000"/>
+                </a:srgbClr>
+              </a:solidFill>
+              <a:latin typeface="微软雅黑"/>
+              <a:ea typeface="微软雅黑"/>
+            </a:endParaRPr>
+          </a:p>
+        </p:txBody>
+      </p:sp>
+      <p:sp>
+        <p:nvSpPr>
+          <p:cNvPr id="35" name="矩形 34">
+            <a:extLst>
+              <a:ext uri="{FF2B5EF4-FFF2-40B4-BE49-F238E27FC236}">
+                <a16:creationId xmlns:a16="http://schemas.microsoft.com/office/drawing/2014/main" id="{D36CDFC8-0761-464B-ADA6-118819E75A0C}"/>
+              </a:ext>
+            </a:extLst>
+          </p:cNvPr>
+          <p:cNvSpPr/>
+          <p:nvPr/>
+        </p:nvSpPr>
+        <p:spPr>
+          <a:xfrm>
+            <a:off x="10871778" y="1996846"/>
+            <a:ext cx="697627" cy="400110"/>
+          </a:xfrm>
+          <a:prstGeom prst="rect">
+            <a:avLst/>
+          </a:prstGeom>
+        </p:spPr>
+        <p:txBody>
+          <a:bodyPr wrap="none">
+            <a:spAutoFit/>
+          </a:bodyPr>
+          <a:lstStyle/>
+          <a:p>
+            <a:r>
+              <a:rPr lang="zh-CN" altLang="en-US" sz="2000" b="1" dirty="0">
+                <a:solidFill>
+                  <a:srgbClr val="000000">
+                    <a:lumMod val="85000"/>
+                    <a:lumOff val="15000"/>
+                  </a:srgbClr>
+                </a:solidFill>
+                <a:latin typeface="微软雅黑"/>
+                <a:ea typeface="微软雅黑"/>
+              </a:rPr>
+              <a:t>对接</a:t>
+            </a:r>
+          </a:p>
+        </p:txBody>
+      </p:sp>
+      <p:sp>
+        <p:nvSpPr>
+          <p:cNvPr id="36" name="矩形 35">
+            <a:extLst>
+              <a:ext uri="{FF2B5EF4-FFF2-40B4-BE49-F238E27FC236}">
+                <a16:creationId xmlns:a16="http://schemas.microsoft.com/office/drawing/2014/main" id="{370531AE-12FC-3045-8B47-9C1097B1CF1E}"/>
+              </a:ext>
+            </a:extLst>
+          </p:cNvPr>
+          <p:cNvSpPr/>
+          <p:nvPr/>
+        </p:nvSpPr>
+        <p:spPr>
+          <a:xfrm>
+            <a:off x="10952098" y="2396956"/>
+            <a:ext cx="2147605" cy="701987"/>
+          </a:xfrm>
+          <a:prstGeom prst="rect">
+            <a:avLst/>
+          </a:prstGeom>
+        </p:spPr>
+        <p:txBody>
+          <a:bodyPr wrap="square">
+            <a:spAutoFit/>
+          </a:bodyPr>
+          <a:lstStyle/>
+          <a:p>
+            <a:pPr>
+              <a:lnSpc>
+                <a:spcPct val="130000"/>
+              </a:lnSpc>
+            </a:pPr>
+            <a:r>
+              <a:rPr lang="zh-CN" altLang="en-US" sz="1050" dirty="0">
+                <a:solidFill>
+                  <a:srgbClr val="000000">
+                    <a:lumMod val="85000"/>
+                    <a:lumOff val="15000"/>
+                  </a:srgbClr>
+                </a:solidFill>
+                <a:latin typeface="微软雅黑" charset="0"/>
+                <a:ea typeface="微软雅黑" charset="0"/>
+              </a:rPr>
+              <a:t>产品</a:t>
+            </a:r>
+            <a:endParaRPr lang="en-US" altLang="zh-CN" sz="1050" dirty="0">
+              <a:solidFill>
+                <a:srgbClr val="000000">
+                  <a:lumMod val="85000"/>
+                  <a:lumOff val="15000"/>
+                </a:srgbClr>
+              </a:solidFill>
+              <a:latin typeface="微软雅黑" charset="0"/>
+              <a:ea typeface="微软雅黑" charset="0"/>
+            </a:endParaRPr>
+          </a:p>
+          <a:p>
+            <a:pPr>
+              <a:lnSpc>
+                <a:spcPct val="130000"/>
+              </a:lnSpc>
+            </a:pPr>
+            <a:r>
+              <a:rPr lang="zh-CN" altLang="en-US" sz="1050" dirty="0">
+                <a:solidFill>
+                  <a:srgbClr val="000000">
+                    <a:lumMod val="85000"/>
+                    <a:lumOff val="15000"/>
+                  </a:srgbClr>
+                </a:solidFill>
+                <a:latin typeface="微软雅黑" charset="0"/>
+                <a:ea typeface="微软雅黑" charset="0"/>
+              </a:rPr>
+              <a:t>后台</a:t>
+            </a:r>
+            <a:endParaRPr lang="en-US" altLang="zh-CN" sz="1050" dirty="0">
+              <a:solidFill>
+                <a:srgbClr val="000000">
+                  <a:lumMod val="85000"/>
+                  <a:lumOff val="15000"/>
+                </a:srgbClr>
+              </a:solidFill>
+              <a:latin typeface="微软雅黑" charset="0"/>
+              <a:ea typeface="微软雅黑" charset="0"/>
+            </a:endParaRPr>
+          </a:p>
+          <a:p>
+            <a:pPr>
+              <a:lnSpc>
+                <a:spcPct val="130000"/>
+              </a:lnSpc>
+            </a:pPr>
+            <a:r>
+              <a:rPr lang="zh-CN" altLang="en-US" sz="1050" dirty="0">
+                <a:solidFill>
+                  <a:srgbClr val="000000">
+                    <a:lumMod val="85000"/>
+                    <a:lumOff val="15000"/>
+                  </a:srgbClr>
+                </a:solidFill>
+                <a:latin typeface="微软雅黑" charset="0"/>
+                <a:ea typeface="微软雅黑" charset="0"/>
+              </a:rPr>
+              <a:t>测试</a:t>
+            </a:r>
+            <a:endParaRPr lang="zh-CN" altLang="en-US" sz="1050" dirty="0">
+              <a:solidFill>
+                <a:srgbClr val="000000">
+                  <a:lumMod val="85000"/>
+                  <a:lumOff val="15000"/>
+                </a:srgbClr>
+              </a:solidFill>
+              <a:latin typeface="微软雅黑"/>
+              <a:ea typeface="微软雅黑"/>
+            </a:endParaRPr>
+          </a:p>
+        </p:txBody>
+      </p:sp>
+      <p:sp>
+        <p:nvSpPr>
+          <p:cNvPr id="37" name="矩形 36">
+            <a:extLst>
+              <a:ext uri="{FF2B5EF4-FFF2-40B4-BE49-F238E27FC236}">
+                <a16:creationId xmlns:a16="http://schemas.microsoft.com/office/drawing/2014/main" id="{F488299F-FDF9-6D44-B735-EE6CB4CA86AB}"/>
+              </a:ext>
+            </a:extLst>
+          </p:cNvPr>
+          <p:cNvSpPr/>
+          <p:nvPr/>
+        </p:nvSpPr>
+        <p:spPr>
+          <a:xfrm>
+            <a:off x="331098" y="1281512"/>
+            <a:ext cx="2954655" cy="461665"/>
+          </a:xfrm>
+          <a:prstGeom prst="rect">
+            <a:avLst/>
+          </a:prstGeom>
+        </p:spPr>
+        <p:txBody>
+          <a:bodyPr wrap="none">
+            <a:spAutoFit/>
+          </a:bodyPr>
+          <a:lstStyle/>
+          <a:p>
+            <a:r>
+              <a:rPr lang="zh-CN" altLang="en-US" sz="2400" b="1" dirty="0">
+                <a:solidFill>
+                  <a:srgbClr val="000000">
+                    <a:lumMod val="85000"/>
+                    <a:lumOff val="15000"/>
+                  </a:srgbClr>
+                </a:solidFill>
+                <a:latin typeface="微软雅黑"/>
+                <a:ea typeface="微软雅黑"/>
+              </a:rPr>
+              <a:t>常被忽略的调研步骤</a:t>
+            </a:r>
+          </a:p>
+        </p:txBody>
+      </p:sp>
+    </p:spTree>
+    <p:extLst>
+      <p:ext uri="{BB962C8B-B14F-4D97-AF65-F5344CB8AC3E}">
+        <p14:creationId xmlns:p14="http://schemas.microsoft.com/office/powerpoint/2010/main" val="1926228785"/>
+      </p:ext>
+    </p:extLst>
+  </p:cSld>
+  <p:clrMapOvr>
+    <a:masterClrMapping/>
+  </p:clrMapOvr>
+  <mc:AlternateContent xmlns:mc="http://schemas.openxmlformats.org/markup-compatibility/2006" xmlns:p14="http://schemas.microsoft.com/office/powerpoint/2010/main">
+    <mc:Choice Requires="p14">
+      <p:transition spd="med" p14:dur="700">
+        <p:fade/>
+      </p:transition>
+    </mc:Choice>
+    <mc:Fallback xmlns="">
+      <p:transition spd="med">
+        <p:fade/>
+      </p:transition>
+    </mc:Fallback>
+  </mc:AlternateContent>
+</p:sld>
+</file>
+
+<file path=ppt/slides/slide11.xml><?xml version="1.0" encoding="utf-8"?>
+<p:sld xmlns:a="http://schemas.openxmlformats.org/drawingml/2006/main" xmlns:r="http://schemas.openxmlformats.org/officeDocument/2006/relationships" xmlns:p="http://schemas.openxmlformats.org/presentationml/2006/main">
+  <p:cSld>
+    <p:spTree>
+      <p:nvGrpSpPr>
+        <p:cNvPr id="1" name=""/>
+        <p:cNvGrpSpPr/>
+        <p:nvPr/>
+      </p:nvGrpSpPr>
+      <p:grpSpPr>
+        <a:xfrm>
+          <a:off x="0" y="0"/>
+          <a:ext cx="0" cy="0"/>
+          <a:chOff x="0" y="0"/>
+          <a:chExt cx="0" cy="0"/>
+        </a:xfrm>
+      </p:grpSpPr>
+      <p:sp>
+        <p:nvSpPr>
           <p:cNvPr id="5" name="文本占位符 1">
             <a:extLst>
               <a:ext uri="{FF2B5EF4-FFF2-40B4-BE49-F238E27FC236}">
@@ -17081,7 +18377,7 @@
 </p:sld>
 </file>
 
-<file path=ppt/slides/slide11.xml><?xml version="1.0" encoding="utf-8"?>
+<file path=ppt/slides/slide12.xml><?xml version="1.0" encoding="utf-8"?>
 <p:sld xmlns:a="http://schemas.openxmlformats.org/drawingml/2006/main" xmlns:r="http://schemas.openxmlformats.org/officeDocument/2006/relationships" xmlns:p="http://schemas.openxmlformats.org/presentationml/2006/main">
   <p:cSld>
     <p:spTree>
@@ -17354,7 +18650,231 @@
 </p:sld>
 </file>
 
-<file path=ppt/slides/slide12.xml><?xml version="1.0" encoding="utf-8"?>
+<file path=ppt/slides/slide13.xml><?xml version="1.0" encoding="utf-8"?>
+<p:sld xmlns:a="http://schemas.openxmlformats.org/drawingml/2006/main" xmlns:r="http://schemas.openxmlformats.org/officeDocument/2006/relationships" xmlns:p="http://schemas.openxmlformats.org/presentationml/2006/main">
+  <p:cSld>
+    <p:spTree>
+      <p:nvGrpSpPr>
+        <p:cNvPr id="1" name=""/>
+        <p:cNvGrpSpPr/>
+        <p:nvPr/>
+      </p:nvGrpSpPr>
+      <p:grpSpPr>
+        <a:xfrm>
+          <a:off x="0" y="0"/>
+          <a:ext cx="0" cy="0"/>
+          <a:chOff x="0" y="0"/>
+          <a:chExt cx="0" cy="0"/>
+        </a:xfrm>
+      </p:grpSpPr>
+      <p:sp>
+        <p:nvSpPr>
+          <p:cNvPr id="2" name="文本占位符 1">
+            <a:extLst>
+              <a:ext uri="{FF2B5EF4-FFF2-40B4-BE49-F238E27FC236}">
+                <a16:creationId xmlns:a16="http://schemas.microsoft.com/office/drawing/2014/main" id="{583458EA-92BD-E747-8943-66865E42AE75}"/>
+              </a:ext>
+            </a:extLst>
+          </p:cNvPr>
+          <p:cNvSpPr>
+            <a:spLocks noGrp="1"/>
+          </p:cNvSpPr>
+          <p:nvPr>
+            <p:ph type="body" sz="quarter" idx="10"/>
+          </p:nvPr>
+        </p:nvSpPr>
+        <p:spPr/>
+        <p:txBody>
+          <a:bodyPr/>
+          <a:lstStyle/>
+          <a:p>
+            <a:r>
+              <a:rPr kumimoji="1" lang="en-US" altLang="zh-CN" dirty="0"/>
+              <a:t>03</a:t>
+            </a:r>
+            <a:endParaRPr kumimoji="1" lang="zh-CN" altLang="en-US" dirty="0"/>
+          </a:p>
+        </p:txBody>
+      </p:sp>
+      <p:sp>
+        <p:nvSpPr>
+          <p:cNvPr id="3" name="文本占位符 2">
+            <a:extLst>
+              <a:ext uri="{FF2B5EF4-FFF2-40B4-BE49-F238E27FC236}">
+                <a16:creationId xmlns:a16="http://schemas.microsoft.com/office/drawing/2014/main" id="{C26F21A5-D3A3-564E-A886-FBB09FB0FC0A}"/>
+              </a:ext>
+            </a:extLst>
+          </p:cNvPr>
+          <p:cNvSpPr>
+            <a:spLocks noGrp="1"/>
+          </p:cNvSpPr>
+          <p:nvPr>
+            <p:ph type="body" sz="quarter" idx="11"/>
+          </p:nvPr>
+        </p:nvSpPr>
+        <p:spPr/>
+        <p:txBody>
+          <a:bodyPr/>
+          <a:lstStyle/>
+          <a:p>
+            <a:r>
+              <a:rPr kumimoji="1" lang="en-US" altLang="zh-CN" dirty="0"/>
+              <a:t>PART</a:t>
+            </a:r>
+            <a:r>
+              <a:rPr kumimoji="1" lang="zh-CN" altLang="en-US" dirty="0"/>
+              <a:t> </a:t>
+            </a:r>
+            <a:r>
+              <a:rPr kumimoji="1" lang="en-US" altLang="zh-CN" dirty="0"/>
+              <a:t>THREE</a:t>
+            </a:r>
+            <a:endParaRPr kumimoji="1" lang="zh-CN" altLang="en-US" dirty="0"/>
+          </a:p>
+        </p:txBody>
+      </p:sp>
+      <p:sp>
+        <p:nvSpPr>
+          <p:cNvPr id="4" name="文本占位符 3">
+            <a:extLst>
+              <a:ext uri="{FF2B5EF4-FFF2-40B4-BE49-F238E27FC236}">
+                <a16:creationId xmlns:a16="http://schemas.microsoft.com/office/drawing/2014/main" id="{D689CBDF-28B7-DF47-B377-CA9BBF00F974}"/>
+              </a:ext>
+            </a:extLst>
+          </p:cNvPr>
+          <p:cNvSpPr>
+            <a:spLocks noGrp="1"/>
+          </p:cNvSpPr>
+          <p:nvPr>
+            <p:ph type="body" sz="quarter" idx="12"/>
+          </p:nvPr>
+        </p:nvSpPr>
+        <p:spPr/>
+        <p:txBody>
+          <a:bodyPr/>
+          <a:lstStyle/>
+          <a:p>
+            <a:r>
+              <a:rPr kumimoji="1" lang="zh-CN" altLang="en-US" dirty="0"/>
+              <a:t>工作思考</a:t>
+            </a:r>
+          </a:p>
+        </p:txBody>
+      </p:sp>
+      <p:sp>
+        <p:nvSpPr>
+          <p:cNvPr id="5" name="矩形 4">
+            <a:extLst>
+              <a:ext uri="{FF2B5EF4-FFF2-40B4-BE49-F238E27FC236}">
+                <a16:creationId xmlns:a16="http://schemas.microsoft.com/office/drawing/2014/main" id="{355BDE82-59F7-194B-B0B8-F9FEA3ADBC13}"/>
+              </a:ext>
+            </a:extLst>
+          </p:cNvPr>
+          <p:cNvSpPr/>
+          <p:nvPr/>
+        </p:nvSpPr>
+        <p:spPr>
+          <a:xfrm>
+            <a:off x="3540540" y="1379196"/>
+            <a:ext cx="5110919" cy="709105"/>
+          </a:xfrm>
+          <a:prstGeom prst="rect">
+            <a:avLst/>
+          </a:prstGeom>
+        </p:spPr>
+        <p:txBody>
+          <a:bodyPr wrap="square">
+            <a:spAutoFit/>
+          </a:bodyPr>
+          <a:lstStyle/>
+          <a:p>
+            <a:pPr>
+              <a:lnSpc>
+                <a:spcPct val="130000"/>
+              </a:lnSpc>
+            </a:pPr>
+            <a:r>
+              <a:rPr lang="zh-CN" altLang="en-US" sz="2000" b="1" dirty="0">
+                <a:solidFill>
+                  <a:srgbClr val="000000">
+                    <a:lumMod val="75000"/>
+                    <a:lumOff val="25000"/>
+                  </a:srgbClr>
+                </a:solidFill>
+                <a:latin typeface="微软雅黑" charset="0"/>
+                <a:ea typeface="微软雅黑" charset="0"/>
+              </a:rPr>
+              <a:t>调研：</a:t>
+            </a:r>
+            <a:r>
+              <a:rPr lang="en-US" altLang="zh-CN" sz="2000" b="1" dirty="0" err="1">
+                <a:solidFill>
+                  <a:srgbClr val="000000">
+                    <a:lumMod val="75000"/>
+                    <a:lumOff val="25000"/>
+                  </a:srgbClr>
+                </a:solidFill>
+                <a:latin typeface="微软雅黑" charset="0"/>
+                <a:ea typeface="微软雅黑" charset="0"/>
+              </a:rPr>
+              <a:t>Xlog</a:t>
+            </a:r>
+            <a:r>
+              <a:rPr lang="en-US" altLang="zh-CN" sz="2000" b="1" dirty="0">
+                <a:solidFill>
+                  <a:srgbClr val="000000">
+                    <a:lumMod val="75000"/>
+                    <a:lumOff val="25000"/>
+                  </a:srgbClr>
+                </a:solidFill>
+                <a:latin typeface="微软雅黑" charset="0"/>
+                <a:ea typeface="微软雅黑" charset="0"/>
+              </a:rPr>
+              <a:t>——Mars</a:t>
+            </a:r>
+            <a:r>
+              <a:rPr lang="zh-CN" altLang="en-US" sz="2000" b="1" dirty="0">
+                <a:solidFill>
+                  <a:srgbClr val="000000">
+                    <a:lumMod val="75000"/>
+                    <a:lumOff val="25000"/>
+                  </a:srgbClr>
+                </a:solidFill>
+                <a:latin typeface="微软雅黑" charset="0"/>
+                <a:ea typeface="微软雅黑" charset="0"/>
+              </a:rPr>
+              <a:t>跨平台基础日志组件</a:t>
+            </a:r>
+            <a:r>
+              <a:rPr lang="en-US" altLang="zh-CN" sz="1200" dirty="0">
+                <a:solidFill>
+                  <a:srgbClr val="000000">
+                    <a:lumMod val="75000"/>
+                    <a:lumOff val="25000"/>
+                  </a:srgbClr>
+                </a:solidFill>
+                <a:latin typeface="微软雅黑" charset="0"/>
+                <a:ea typeface="微软雅黑" charset="0"/>
+              </a:rPr>
+              <a:t>	</a:t>
+            </a:r>
+          </a:p>
+        </p:txBody>
+      </p:sp>
+    </p:spTree>
+    <p:extLst>
+      <p:ext uri="{BB962C8B-B14F-4D97-AF65-F5344CB8AC3E}">
+        <p14:creationId xmlns:p14="http://schemas.microsoft.com/office/powerpoint/2010/main" val="779354762"/>
+      </p:ext>
+    </p:extLst>
+  </p:cSld>
+  <p:clrMapOvr>
+    <a:masterClrMapping/>
+  </p:clrMapOvr>
+</p:sld>
+</file>
+
+<file path=ppt/slides/slide14.xml><?xml version="1.0" encoding="utf-8"?>
 <p:sld xmlns:a="http://schemas.openxmlformats.org/drawingml/2006/main" xmlns:r="http://schemas.openxmlformats.org/officeDocument/2006/relationships" xmlns:p="http://schemas.openxmlformats.org/presentationml/2006/main">
   <p:cSld>
     <p:spTree>
@@ -17461,8 +18981,8 @@
         </p:nvSpPr>
         <p:spPr>
           <a:xfrm>
-            <a:off x="4039562" y="912435"/>
-            <a:ext cx="5331708" cy="709105"/>
+            <a:off x="4039561" y="912435"/>
+            <a:ext cx="6997033" cy="453394"/>
           </a:xfrm>
           <a:prstGeom prst="rect">
             <a:avLst/>
@@ -17492,23 +19012,6 @@
               </a:rPr>
               <a:t>调研：加密模块算法对比实验</a:t>
             </a:r>
-            <a:endParaRPr lang="en-US" altLang="zh-CN" sz="2000" b="1" dirty="0">
-              <a:solidFill>
-                <a:srgbClr val="000000">
-                  <a:lumMod val="75000"/>
-                  <a:lumOff val="25000"/>
-                </a:srgbClr>
-              </a:solidFill>
-              <a:latin typeface="微软雅黑" charset="0"/>
-              <a:ea typeface="微软雅黑" charset="0"/>
-            </a:endParaRPr>
-          </a:p>
-          <a:p>
-            <a:pPr>
-              <a:lnSpc>
-                <a:spcPct val="130000"/>
-              </a:lnSpc>
-            </a:pPr>
             <a:r>
               <a:rPr lang="en-US" altLang="zh-CN" sz="1200" dirty="0">
                 <a:solidFill>
@@ -22525,7 +24028,7 @@
 </p:sld>
 </file>
 
-<file path=ppt/slides/slide13.xml><?xml version="1.0" encoding="utf-8"?>
+<file path=ppt/slides/slide15.xml><?xml version="1.0" encoding="utf-8"?>
 <p:sld xmlns:a="http://schemas.openxmlformats.org/drawingml/2006/main" xmlns:r="http://schemas.openxmlformats.org/officeDocument/2006/relationships" xmlns:p="http://schemas.openxmlformats.org/presentationml/2006/main">
   <p:cSld>
     <p:spTree>
@@ -22646,7 +24149,7 @@
 </p:sld>
 </file>
 
-<file path=ppt/slides/slide14.xml><?xml version="1.0" encoding="utf-8"?>
+<file path=ppt/slides/slide16.xml><?xml version="1.0" encoding="utf-8"?>
 <p:sld xmlns:a="http://schemas.openxmlformats.org/drawingml/2006/main" xmlns:r="http://schemas.openxmlformats.org/officeDocument/2006/relationships" xmlns:p="http://schemas.openxmlformats.org/presentationml/2006/main">
   <p:cSld>
     <p:spTree>
@@ -24317,6 +25820,94 @@
           </a:p>
         </p:txBody>
       </p:sp>
+      <p:sp>
+        <p:nvSpPr>
+          <p:cNvPr id="42" name="矩形 41">
+            <a:extLst>
+              <a:ext uri="{FF2B5EF4-FFF2-40B4-BE49-F238E27FC236}">
+                <a16:creationId xmlns:a16="http://schemas.microsoft.com/office/drawing/2014/main" id="{11BD8753-3DE6-B245-B0E0-2DA8325A7249}"/>
+              </a:ext>
+            </a:extLst>
+          </p:cNvPr>
+          <p:cNvSpPr/>
+          <p:nvPr/>
+        </p:nvSpPr>
+        <p:spPr>
+          <a:xfrm>
+            <a:off x="7030250" y="745540"/>
+            <a:ext cx="2769729" cy="510974"/>
+          </a:xfrm>
+          <a:prstGeom prst="rect">
+            <a:avLst/>
+          </a:prstGeom>
+        </p:spPr>
+        <p:txBody>
+          <a:bodyPr wrap="square">
+            <a:spAutoFit/>
+          </a:bodyPr>
+          <a:lstStyle/>
+          <a:p>
+            <a:pPr algn="ctr">
+              <a:lnSpc>
+                <a:spcPct val="130000"/>
+              </a:lnSpc>
+            </a:pPr>
+            <a:r>
+              <a:rPr lang="zh-CN" altLang="en-US" sz="1100" dirty="0">
+                <a:solidFill>
+                  <a:srgbClr val="000000">
+                    <a:lumMod val="85000"/>
+                    <a:lumOff val="15000"/>
+                  </a:srgbClr>
+                </a:solidFill>
+                <a:latin typeface="微软雅黑" charset="0"/>
+                <a:ea typeface="微软雅黑" charset="0"/>
+              </a:rPr>
+              <a:t>都找不到，就问问导师问问同事</a:t>
+            </a:r>
+            <a:endParaRPr lang="en-US" altLang="zh-CN" sz="1100" dirty="0">
+              <a:solidFill>
+                <a:srgbClr val="000000">
+                  <a:lumMod val="85000"/>
+                  <a:lumOff val="15000"/>
+                </a:srgbClr>
+              </a:solidFill>
+              <a:latin typeface="微软雅黑" charset="0"/>
+              <a:ea typeface="微软雅黑" charset="0"/>
+            </a:endParaRPr>
+          </a:p>
+          <a:p>
+            <a:pPr algn="ctr">
+              <a:lnSpc>
+                <a:spcPct val="130000"/>
+              </a:lnSpc>
+            </a:pPr>
+            <a:r>
+              <a:rPr lang="zh-CN" altLang="en-US" sz="1100" dirty="0">
+                <a:solidFill>
+                  <a:srgbClr val="000000">
+                    <a:lumMod val="85000"/>
+                    <a:lumOff val="15000"/>
+                  </a:srgbClr>
+                </a:solidFill>
+                <a:latin typeface="微软雅黑" charset="0"/>
+                <a:ea typeface="微软雅黑" charset="0"/>
+              </a:rPr>
+              <a:t>树挪死人挪活嘛</a:t>
+            </a:r>
+            <a:endParaRPr lang="zh-CN" altLang="en-US" sz="1100" dirty="0">
+              <a:solidFill>
+                <a:srgbClr val="000000">
+                  <a:lumMod val="85000"/>
+                  <a:lumOff val="15000"/>
+                </a:srgbClr>
+              </a:solidFill>
+              <a:latin typeface="微软雅黑"/>
+              <a:ea typeface="微软雅黑"/>
+            </a:endParaRPr>
+          </a:p>
+        </p:txBody>
+      </p:sp>
     </p:spTree>
     <p:extLst>
       <p:ext uri="{BB962C8B-B14F-4D97-AF65-F5344CB8AC3E}">
@@ -24339,10 +25930,88 @@
       </p:transition>
     </mc:Fallback>
   </mc:AlternateContent>
+  <p:timing>
+    <p:tnLst>
+      <p:par>
+        <p:cTn id="1" dur="indefinite" restart="never" nodeType="tmRoot">
+          <p:childTnLst>
+            <p:seq concurrent="1" nextAc="seek">
+              <p:cTn id="2" dur="indefinite" nodeType="mainSeq">
+                <p:childTnLst>
+                  <p:par>
+                    <p:cTn id="3" fill="hold">
+                      <p:stCondLst>
+                        <p:cond delay="indefinite"/>
+                      </p:stCondLst>
+                      <p:childTnLst>
+                        <p:par>
+                          <p:cTn id="4" fill="hold">
+                            <p:stCondLst>
+                              <p:cond delay="0"/>
+                            </p:stCondLst>
+                            <p:childTnLst>
+                              <p:par>
+                                <p:cTn id="5" presetID="1" presetClass="entr" presetSubtype="0" fill="hold" grpId="0" nodeType="clickEffect">
+                                  <p:stCondLst>
+                                    <p:cond delay="0"/>
+                                  </p:stCondLst>
+                                  <p:childTnLst>
+                                    <p:set>
+                                      <p:cBhvr>
+                                        <p:cTn id="6" dur="1" fill="hold">
+                                          <p:stCondLst>
+                                            <p:cond delay="0"/>
+                                          </p:stCondLst>
+                                        </p:cTn>
+                                        <p:tgtEl>
+                                          <p:spTgt spid="42"/>
+                                        </p:tgtEl>
+                                        <p:attrNameLst>
+                                          <p:attrName>style.visibility</p:attrName>
+                                        </p:attrNameLst>
+                                      </p:cBhvr>
+                                      <p:to>
+                                        <p:strVal val="visible"/>
+                                      </p:to>
+                                    </p:set>
+                                  </p:childTnLst>
+                                </p:cTn>
+                              </p:par>
+                            </p:childTnLst>
+                          </p:cTn>
+                        </p:par>
+                      </p:childTnLst>
+                    </p:cTn>
+                  </p:par>
+                </p:childTnLst>
+              </p:cTn>
+              <p:prevCondLst>
+                <p:cond evt="onPrev" delay="0">
+                  <p:tgtEl>
+                    <p:sldTgt/>
+                  </p:tgtEl>
+                </p:cond>
+              </p:prevCondLst>
+              <p:nextCondLst>
+                <p:cond evt="onNext" delay="0">
+                  <p:tgtEl>
+                    <p:sldTgt/>
+                  </p:tgtEl>
+                </p:cond>
+              </p:nextCondLst>
+            </p:seq>
+          </p:childTnLst>
+        </p:cTn>
+      </p:par>
+    </p:tnLst>
+    <p:bldLst>
+      <p:bldP spid="42" grpId="0"/>
+    </p:bldLst>
+  </p:timing>
 </p:sld>
 </file>
 
-<file path=ppt/slides/slide15.xml><?xml version="1.0" encoding="utf-8"?>
+<file path=ppt/slides/slide17.xml><?xml version="1.0" encoding="utf-8"?>
 <p:sld xmlns:a="http://schemas.openxmlformats.org/drawingml/2006/main" xmlns:r="http://schemas.openxmlformats.org/officeDocument/2006/relationships" xmlns:p="http://schemas.openxmlformats.org/presentationml/2006/main">
   <p:cSld>
     <p:spTree>
@@ -24487,7 +26156,7 @@
         <p:spPr>
           <a:xfrm>
             <a:off x="1126893" y="2011383"/>
-            <a:ext cx="7772400" cy="1577035"/>
+            <a:ext cx="7772400" cy="1894045"/>
           </a:xfrm>
           <a:prstGeom prst="rect">
             <a:avLst/>
@@ -24706,6 +26375,40 @@
                 <a:sym typeface="+mn-lt"/>
               </a:rPr>
               <a:t>主模块和子模块对同名静态链接库的引用冲突导致编译不过</a:t>
+            </a:r>
+            <a:endParaRPr kumimoji="1" lang="en-US" altLang="zh-CN" sz="1200" kern="0" dirty="0">
+              <a:latin typeface="微软雅黑" panose="020B0503020204020204" pitchFamily="34" charset="-122"/>
+              <a:ea typeface="微软雅黑" panose="020B0503020204020204" pitchFamily="34" charset="-122"/>
+              <a:cs typeface="+mn-ea"/>
+              <a:sym typeface="+mn-lt"/>
+            </a:endParaRPr>
+          </a:p>
+          <a:p>
+            <a:pPr>
+              <a:lnSpc>
+                <a:spcPct val="130000"/>
+              </a:lnSpc>
+              <a:spcBef>
+                <a:spcPts val="600"/>
+              </a:spcBef>
+            </a:pPr>
+            <a:r>
+              <a:rPr kumimoji="1" lang="en-US" altLang="zh-CN" sz="1200" kern="0" dirty="0">
+                <a:latin typeface="微软雅黑" panose="020B0503020204020204" pitchFamily="34" charset="-122"/>
+                <a:ea typeface="微软雅黑" panose="020B0503020204020204" pitchFamily="34" charset="-122"/>
+                <a:cs typeface="+mn-ea"/>
+                <a:sym typeface="+mn-lt"/>
+              </a:rPr>
+              <a:t>+</a:t>
+            </a:r>
+            <a:r>
+              <a:rPr kumimoji="1" lang="zh-CN" altLang="en-US" sz="1200" kern="0" dirty="0">
+                <a:latin typeface="微软雅黑" panose="020B0503020204020204" pitchFamily="34" charset="-122"/>
+                <a:ea typeface="微软雅黑" panose="020B0503020204020204" pitchFamily="34" charset="-122"/>
+                <a:cs typeface="+mn-ea"/>
+                <a:sym typeface="+mn-lt"/>
+              </a:rPr>
+              <a:t>图片</a:t>
             </a:r>
             <a:endParaRPr kumimoji="1" lang="en-US" altLang="zh-CN" sz="1200" kern="0" dirty="0">
               <a:latin typeface="微软雅黑" panose="020B0503020204020204" pitchFamily="34" charset="-122"/>
@@ -24741,7 +26444,174 @@
 </p:sld>
 </file>
 
-<file path=ppt/slides/slide16.xml><?xml version="1.0" encoding="utf-8"?>
+<file path=ppt/slides/slide18.xml><?xml version="1.0" encoding="utf-8"?>
+<p:sld xmlns:a="http://schemas.openxmlformats.org/drawingml/2006/main" xmlns:r="http://schemas.openxmlformats.org/officeDocument/2006/relationships" xmlns:p="http://schemas.openxmlformats.org/presentationml/2006/main">
+  <p:cSld>
+    <p:spTree>
+      <p:nvGrpSpPr>
+        <p:cNvPr id="1" name=""/>
+        <p:cNvGrpSpPr/>
+        <p:nvPr/>
+      </p:nvGrpSpPr>
+      <p:grpSpPr>
+        <a:xfrm>
+          <a:off x="0" y="0"/>
+          <a:ext cx="0" cy="0"/>
+          <a:chOff x="0" y="0"/>
+          <a:chExt cx="0" cy="0"/>
+        </a:xfrm>
+      </p:grpSpPr>
+      <p:sp>
+        <p:nvSpPr>
+          <p:cNvPr id="2" name="文本占位符 1">
+            <a:extLst>
+              <a:ext uri="{FF2B5EF4-FFF2-40B4-BE49-F238E27FC236}">
+                <a16:creationId xmlns:a16="http://schemas.microsoft.com/office/drawing/2014/main" id="{544A1E02-AF97-2D42-81DB-227CD5174744}"/>
+              </a:ext>
+            </a:extLst>
+          </p:cNvPr>
+          <p:cNvSpPr>
+            <a:spLocks noGrp="1"/>
+          </p:cNvSpPr>
+          <p:nvPr>
+            <p:ph type="body" sz="quarter" idx="10"/>
+          </p:nvPr>
+        </p:nvSpPr>
+        <p:spPr/>
+        <p:txBody>
+          <a:bodyPr/>
+          <a:lstStyle/>
+          <a:p>
+            <a:r>
+              <a:rPr kumimoji="1" lang="en-US" altLang="zh-CN" dirty="0"/>
+              <a:t>04</a:t>
+            </a:r>
+            <a:endParaRPr kumimoji="1" lang="zh-CN" altLang="en-US" dirty="0"/>
+          </a:p>
+        </p:txBody>
+      </p:sp>
+      <p:sp>
+        <p:nvSpPr>
+          <p:cNvPr id="3" name="文本占位符 2">
+            <a:extLst>
+              <a:ext uri="{FF2B5EF4-FFF2-40B4-BE49-F238E27FC236}">
+                <a16:creationId xmlns:a16="http://schemas.microsoft.com/office/drawing/2014/main" id="{F5F1A175-8B4D-DB41-A860-F0B0C81E496C}"/>
+              </a:ext>
+            </a:extLst>
+          </p:cNvPr>
+          <p:cNvSpPr>
+            <a:spLocks noGrp="1"/>
+          </p:cNvSpPr>
+          <p:nvPr>
+            <p:ph type="body" sz="quarter" idx="11"/>
+          </p:nvPr>
+        </p:nvSpPr>
+        <p:spPr/>
+        <p:txBody>
+          <a:bodyPr/>
+          <a:lstStyle/>
+          <a:p>
+            <a:r>
+              <a:rPr kumimoji="1" lang="en-US" altLang="zh-CN" dirty="0"/>
+              <a:t>PART</a:t>
+            </a:r>
+            <a:r>
+              <a:rPr kumimoji="1" lang="zh-CN" altLang="en-US" dirty="0"/>
+              <a:t> </a:t>
+            </a:r>
+            <a:r>
+              <a:rPr kumimoji="1" lang="en-US" altLang="zh-CN" dirty="0"/>
+              <a:t>FOUR</a:t>
+            </a:r>
+            <a:endParaRPr kumimoji="1" lang="zh-CN" altLang="en-US" dirty="0"/>
+          </a:p>
+        </p:txBody>
+      </p:sp>
+      <p:sp>
+        <p:nvSpPr>
+          <p:cNvPr id="4" name="文本占位符 3">
+            <a:extLst>
+              <a:ext uri="{FF2B5EF4-FFF2-40B4-BE49-F238E27FC236}">
+                <a16:creationId xmlns:a16="http://schemas.microsoft.com/office/drawing/2014/main" id="{DDF2F61B-B79F-764E-951B-CF3D805E0732}"/>
+              </a:ext>
+            </a:extLst>
+          </p:cNvPr>
+          <p:cNvSpPr>
+            <a:spLocks noGrp="1"/>
+          </p:cNvSpPr>
+          <p:nvPr>
+            <p:ph type="body" sz="quarter" idx="12"/>
+          </p:nvPr>
+        </p:nvSpPr>
+        <p:spPr/>
+        <p:txBody>
+          <a:bodyPr/>
+          <a:lstStyle/>
+          <a:p>
+            <a:r>
+              <a:rPr kumimoji="1" lang="zh-CN" altLang="en-US" dirty="0"/>
+              <a:t>经验总结</a:t>
+            </a:r>
+          </a:p>
+        </p:txBody>
+      </p:sp>
+      <p:sp>
+        <p:nvSpPr>
+          <p:cNvPr id="5" name="矩形 4">
+            <a:extLst>
+              <a:ext uri="{FF2B5EF4-FFF2-40B4-BE49-F238E27FC236}">
+                <a16:creationId xmlns:a16="http://schemas.microsoft.com/office/drawing/2014/main" id="{40921496-2B8B-5842-8CA6-EBFDBC81860B}"/>
+              </a:ext>
+            </a:extLst>
+          </p:cNvPr>
+          <p:cNvSpPr/>
+          <p:nvPr/>
+        </p:nvSpPr>
+        <p:spPr>
+          <a:xfrm>
+            <a:off x="5444006" y="599490"/>
+            <a:ext cx="5416868" cy="461665"/>
+          </a:xfrm>
+          <a:prstGeom prst="rect">
+            <a:avLst/>
+          </a:prstGeom>
+        </p:spPr>
+        <p:txBody>
+          <a:bodyPr wrap="none">
+            <a:spAutoFit/>
+          </a:bodyPr>
+          <a:lstStyle/>
+          <a:p>
+            <a:r>
+              <a:rPr lang="zh-CN" altLang="en-US" sz="2400" b="1" dirty="0">
+                <a:solidFill>
+                  <a:srgbClr val="000000">
+                    <a:lumMod val="85000"/>
+                    <a:lumOff val="15000"/>
+                  </a:srgbClr>
+                </a:solidFill>
+                <a:latin typeface="微软雅黑"/>
+                <a:ea typeface="微软雅黑"/>
+              </a:rPr>
+              <a:t>解决重复出现的同类问题：以依赖为例</a:t>
+            </a:r>
+          </a:p>
+        </p:txBody>
+      </p:sp>
+    </p:spTree>
+    <p:extLst>
+      <p:ext uri="{BB962C8B-B14F-4D97-AF65-F5344CB8AC3E}">
+        <p14:creationId xmlns:p14="http://schemas.microsoft.com/office/powerpoint/2010/main" val="974689772"/>
+      </p:ext>
+    </p:extLst>
+  </p:cSld>
+  <p:clrMapOvr>
+    <a:masterClrMapping/>
+  </p:clrMapOvr>
+</p:sld>
+</file>
+
+<file path=ppt/slides/slide19.xml><?xml version="1.0" encoding="utf-8"?>
 <p:sld xmlns:a="http://schemas.openxmlformats.org/drawingml/2006/main" xmlns:r="http://schemas.openxmlformats.org/officeDocument/2006/relationships" xmlns:p="http://schemas.openxmlformats.org/presentationml/2006/main">
   <p:cSld>
     <p:spTree>
@@ -25988,7 +27858,639 @@
 </p:sld>
 </file>
 
-<file path=ppt/slides/slide17.xml><?xml version="1.0" encoding="utf-8"?>
+<file path=ppt/slides/slide2.xml><?xml version="1.0" encoding="utf-8"?>
+<p:sld xmlns:a="http://schemas.openxmlformats.org/drawingml/2006/main" xmlns:r="http://schemas.openxmlformats.org/officeDocument/2006/relationships" xmlns:p="http://schemas.openxmlformats.org/presentationml/2006/main">
+  <p:cSld>
+    <p:spTree>
+      <p:nvGrpSpPr>
+        <p:cNvPr id="1" name=""/>
+        <p:cNvGrpSpPr/>
+        <p:nvPr/>
+      </p:nvGrpSpPr>
+      <p:grpSpPr>
+        <a:xfrm>
+          <a:off x="0" y="0"/>
+          <a:ext cx="0" cy="0"/>
+          <a:chOff x="0" y="0"/>
+          <a:chExt cx="0" cy="0"/>
+        </a:xfrm>
+      </p:grpSpPr>
+      <p:sp>
+        <p:nvSpPr>
+          <p:cNvPr id="3" name="文本占位符 2"/>
+          <p:cNvSpPr>
+            <a:spLocks noGrp="1"/>
+          </p:cNvSpPr>
+          <p:nvPr>
+            <p:ph type="body" sz="quarter" idx="11"/>
+          </p:nvPr>
+        </p:nvSpPr>
+        <p:spPr/>
+        <p:txBody>
+          <a:bodyPr/>
+          <a:lstStyle/>
+          <a:p>
+            <a:r>
+              <a:rPr kumimoji="1" lang="en-US" altLang="zh-CN" dirty="0"/>
+              <a:t>01</a:t>
+            </a:r>
+            <a:r>
+              <a:rPr kumimoji="1" lang="zh-CN" altLang="en-US" dirty="0"/>
+              <a:t> </a:t>
+            </a:r>
+            <a:r>
+              <a:rPr lang="zh-CN" altLang="en-US" dirty="0">
+                <a:solidFill>
+                  <a:srgbClr val="FFFFFF"/>
+                </a:solidFill>
+              </a:rPr>
+              <a:t>自我介绍</a:t>
+            </a:r>
+          </a:p>
+        </p:txBody>
+      </p:sp>
+      <p:sp>
+        <p:nvSpPr>
+          <p:cNvPr id="4" name="文本占位符 3"/>
+          <p:cNvSpPr>
+            <a:spLocks noGrp="1"/>
+          </p:cNvSpPr>
+          <p:nvPr>
+            <p:ph type="body" sz="quarter" idx="12"/>
+          </p:nvPr>
+        </p:nvSpPr>
+        <p:spPr/>
+        <p:txBody>
+          <a:bodyPr/>
+          <a:lstStyle/>
+          <a:p>
+            <a:r>
+              <a:rPr kumimoji="1" lang="en-US" altLang="zh-CN" dirty="0"/>
+              <a:t>02</a:t>
+            </a:r>
+            <a:r>
+              <a:rPr kumimoji="1" lang="zh-CN" altLang="en-US" dirty="0"/>
+              <a:t> </a:t>
+            </a:r>
+            <a:r>
+              <a:rPr lang="zh-CN" altLang="en-US" dirty="0">
+                <a:solidFill>
+                  <a:srgbClr val="FFFFFF"/>
+                </a:solidFill>
+              </a:rPr>
+              <a:t>工作内容</a:t>
+            </a:r>
+          </a:p>
+        </p:txBody>
+      </p:sp>
+      <p:sp>
+        <p:nvSpPr>
+          <p:cNvPr id="5" name="文本占位符 4"/>
+          <p:cNvSpPr>
+            <a:spLocks noGrp="1"/>
+          </p:cNvSpPr>
+          <p:nvPr>
+            <p:ph type="body" sz="quarter" idx="13"/>
+          </p:nvPr>
+        </p:nvSpPr>
+        <p:spPr/>
+        <p:txBody>
+          <a:bodyPr/>
+          <a:lstStyle/>
+          <a:p>
+            <a:r>
+              <a:rPr kumimoji="1" lang="en-US" altLang="zh-CN" dirty="0"/>
+              <a:t>03</a:t>
+            </a:r>
+            <a:r>
+              <a:rPr kumimoji="1" lang="zh-CN" altLang="en-US" dirty="0"/>
+              <a:t> 工作思考</a:t>
+            </a:r>
+          </a:p>
+        </p:txBody>
+      </p:sp>
+      <p:sp>
+        <p:nvSpPr>
+          <p:cNvPr id="6" name="文本占位符 5"/>
+          <p:cNvSpPr>
+            <a:spLocks noGrp="1"/>
+          </p:cNvSpPr>
+          <p:nvPr>
+            <p:ph type="body" sz="quarter" idx="14"/>
+          </p:nvPr>
+        </p:nvSpPr>
+        <p:spPr/>
+        <p:txBody>
+          <a:bodyPr/>
+          <a:lstStyle/>
+          <a:p>
+            <a:r>
+              <a:rPr kumimoji="1" lang="en-US" altLang="zh-CN" dirty="0"/>
+              <a:t>04</a:t>
+            </a:r>
+            <a:r>
+              <a:rPr kumimoji="1" lang="zh-CN" altLang="en-US" dirty="0"/>
+              <a:t> 经验总结与未来展望</a:t>
+            </a:r>
+          </a:p>
+        </p:txBody>
+      </p:sp>
+      <p:sp>
+        <p:nvSpPr>
+          <p:cNvPr id="7" name="文本占位符 5">
+            <a:extLst>
+              <a:ext uri="{FF2B5EF4-FFF2-40B4-BE49-F238E27FC236}">
+                <a16:creationId xmlns:a16="http://schemas.microsoft.com/office/drawing/2014/main" id="{4756D4CD-F52A-9847-85D5-FFED8AB497AB}"/>
+              </a:ext>
+            </a:extLst>
+          </p:cNvPr>
+          <p:cNvSpPr txBox="1">
+            <a:spLocks/>
+          </p:cNvSpPr>
+          <p:nvPr/>
+        </p:nvSpPr>
+        <p:spPr>
+          <a:xfrm>
+            <a:off x="1423002" y="4913246"/>
+            <a:ext cx="5785627" cy="495054"/>
+          </a:xfrm>
+          <a:prstGeom prst="rect">
+            <a:avLst/>
+          </a:prstGeom>
+          <a:noFill/>
+        </p:spPr>
+        <p:txBody>
+          <a:bodyPr anchor="t"/>
+          <a:lstStyle>
+            <a:lvl1pPr marL="0" indent="0" algn="l" defTabSz="914400" rtl="0" eaLnBrk="1" latinLnBrk="0" hangingPunct="1">
+              <a:lnSpc>
+                <a:spcPct val="130000"/>
+              </a:lnSpc>
+              <a:spcBef>
+                <a:spcPts val="1000"/>
+              </a:spcBef>
+              <a:buFont typeface="Arial" panose="020B0604020202020204" pitchFamily="34" charset="0"/>
+              <a:buNone/>
+              <a:defRPr sz="1800" b="0" kern="1200">
+                <a:solidFill>
+                  <a:schemeClr val="bg1"/>
+                </a:solidFill>
+                <a:latin typeface="+mn-lt"/>
+                <a:ea typeface="+mn-ea"/>
+                <a:cs typeface="+mn-cs"/>
+              </a:defRPr>
+            </a:lvl1pPr>
+            <a:lvl2pPr marL="685800" indent="-228600" algn="l" defTabSz="914400" rtl="0" eaLnBrk="1" latinLnBrk="0" hangingPunct="1">
+              <a:lnSpc>
+                <a:spcPct val="90000"/>
+              </a:lnSpc>
+              <a:spcBef>
+                <a:spcPts val="500"/>
+              </a:spcBef>
+              <a:buFont typeface="Arial" panose="020B0604020202020204" pitchFamily="34" charset="0"/>
+              <a:buChar char="•"/>
+              <a:defRPr sz="2400" kern="1200">
+                <a:solidFill>
+                  <a:schemeClr val="tx1"/>
+                </a:solidFill>
+                <a:latin typeface="+mn-lt"/>
+                <a:ea typeface="+mn-ea"/>
+                <a:cs typeface="+mn-cs"/>
+              </a:defRPr>
+            </a:lvl2pPr>
+            <a:lvl3pPr marL="1143000" indent="-228600" algn="l" defTabSz="914400" rtl="0" eaLnBrk="1" latinLnBrk="0" hangingPunct="1">
+              <a:lnSpc>
+                <a:spcPct val="90000"/>
+              </a:lnSpc>
+              <a:spcBef>
+                <a:spcPts val="500"/>
+              </a:spcBef>
+              <a:buFont typeface="Arial" panose="020B0604020202020204" pitchFamily="34" charset="0"/>
+              <a:buChar char="•"/>
+              <a:defRPr sz="2000" kern="1200">
+                <a:solidFill>
+                  <a:schemeClr val="tx1"/>
+                </a:solidFill>
+                <a:latin typeface="+mn-lt"/>
+                <a:ea typeface="+mn-ea"/>
+                <a:cs typeface="+mn-cs"/>
+              </a:defRPr>
+            </a:lvl3pPr>
+            <a:lvl4pPr marL="1600200" indent="-228600" algn="l" defTabSz="914400" rtl="0" eaLnBrk="1" latinLnBrk="0" hangingPunct="1">
+              <a:lnSpc>
+                <a:spcPct val="90000"/>
+              </a:lnSpc>
+              <a:spcBef>
+                <a:spcPts val="500"/>
+              </a:spcBef>
+              <a:buFont typeface="Arial" panose="020B0604020202020204" pitchFamily="34" charset="0"/>
+              <a:buChar char="•"/>
+              <a:defRPr sz="1800" kern="1200">
+                <a:solidFill>
+                  <a:schemeClr val="tx1"/>
+                </a:solidFill>
+                <a:latin typeface="+mn-lt"/>
+                <a:ea typeface="+mn-ea"/>
+                <a:cs typeface="+mn-cs"/>
+              </a:defRPr>
+            </a:lvl4pPr>
+            <a:lvl5pPr marL="2057400" indent="-228600" algn="l" defTabSz="914400" rtl="0" eaLnBrk="1" latinLnBrk="0" hangingPunct="1">
+              <a:lnSpc>
+                <a:spcPct val="90000"/>
+              </a:lnSpc>
+              <a:spcBef>
+                <a:spcPts val="500"/>
+              </a:spcBef>
+              <a:buFont typeface="Arial" panose="020B0604020202020204" pitchFamily="34" charset="0"/>
+              <a:buChar char="•"/>
+              <a:defRPr sz="1800" kern="1200">
+                <a:solidFill>
+                  <a:schemeClr val="tx1"/>
+                </a:solidFill>
+                <a:latin typeface="+mn-lt"/>
+                <a:ea typeface="+mn-ea"/>
+                <a:cs typeface="+mn-cs"/>
+              </a:defRPr>
+            </a:lvl5pPr>
+            <a:lvl6pPr marL="2514600" indent="-228600" algn="l" defTabSz="914400" rtl="0" eaLnBrk="1" latinLnBrk="0" hangingPunct="1">
+              <a:lnSpc>
+                <a:spcPct val="90000"/>
+              </a:lnSpc>
+              <a:spcBef>
+                <a:spcPts val="500"/>
+              </a:spcBef>
+              <a:buFont typeface="Arial" panose="020B0604020202020204" pitchFamily="34" charset="0"/>
+              <a:buChar char="•"/>
+              <a:defRPr sz="1800" kern="1200">
+                <a:solidFill>
+                  <a:schemeClr val="tx1"/>
+                </a:solidFill>
+                <a:latin typeface="+mn-lt"/>
+                <a:ea typeface="+mn-ea"/>
+                <a:cs typeface="+mn-cs"/>
+              </a:defRPr>
+            </a:lvl6pPr>
+            <a:lvl7pPr marL="2971800" indent="-228600" algn="l" defTabSz="914400" rtl="0" eaLnBrk="1" latinLnBrk="0" hangingPunct="1">
+              <a:lnSpc>
+                <a:spcPct val="90000"/>
+              </a:lnSpc>
+              <a:spcBef>
+                <a:spcPts val="500"/>
+              </a:spcBef>
+              <a:buFont typeface="Arial" panose="020B0604020202020204" pitchFamily="34" charset="0"/>
+              <a:buChar char="•"/>
+              <a:defRPr sz="1800" kern="1200">
+                <a:solidFill>
+                  <a:schemeClr val="tx1"/>
+                </a:solidFill>
+                <a:latin typeface="+mn-lt"/>
+                <a:ea typeface="+mn-ea"/>
+                <a:cs typeface="+mn-cs"/>
+              </a:defRPr>
+            </a:lvl7pPr>
+            <a:lvl8pPr marL="3429000" indent="-228600" algn="l" defTabSz="914400" rtl="0" eaLnBrk="1" latinLnBrk="0" hangingPunct="1">
+              <a:lnSpc>
+                <a:spcPct val="90000"/>
+              </a:lnSpc>
+              <a:spcBef>
+                <a:spcPts val="500"/>
+              </a:spcBef>
+              <a:buFont typeface="Arial" panose="020B0604020202020204" pitchFamily="34" charset="0"/>
+              <a:buChar char="•"/>
+              <a:defRPr sz="1800" kern="1200">
+                <a:solidFill>
+                  <a:schemeClr val="tx1"/>
+                </a:solidFill>
+                <a:latin typeface="+mn-lt"/>
+                <a:ea typeface="+mn-ea"/>
+                <a:cs typeface="+mn-cs"/>
+              </a:defRPr>
+            </a:lvl8pPr>
+            <a:lvl9pPr marL="3886200" indent="-228600" algn="l" defTabSz="914400" rtl="0" eaLnBrk="1" latinLnBrk="0" hangingPunct="1">
+              <a:lnSpc>
+                <a:spcPct val="90000"/>
+              </a:lnSpc>
+              <a:spcBef>
+                <a:spcPts val="500"/>
+              </a:spcBef>
+              <a:buFont typeface="Arial" panose="020B0604020202020204" pitchFamily="34" charset="0"/>
+              <a:buChar char="•"/>
+              <a:defRPr sz="1800" kern="1200">
+                <a:solidFill>
+                  <a:schemeClr val="tx1"/>
+                </a:solidFill>
+                <a:latin typeface="+mn-lt"/>
+                <a:ea typeface="+mn-ea"/>
+                <a:cs typeface="+mn-cs"/>
+              </a:defRPr>
+            </a:lvl9pPr>
+          </a:lstStyle>
+          <a:p>
+            <a:endParaRPr kumimoji="1" lang="zh-CN" altLang="en-US" dirty="0"/>
+          </a:p>
+        </p:txBody>
+      </p:sp>
+    </p:spTree>
+    <p:extLst>
+      <p:ext uri="{BB962C8B-B14F-4D97-AF65-F5344CB8AC3E}">
+        <p14:creationId xmlns:p14="http://schemas.microsoft.com/office/powerpoint/2010/main" val="1467963981"/>
+      </p:ext>
+    </p:extLst>
+  </p:cSld>
+  <p:clrMapOvr>
+    <a:masterClrMapping/>
+  </p:clrMapOvr>
+  <p:transition spd="slow">
+    <p:randomBar dir="vert"/>
+  </p:transition>
+</p:sld>
+</file>
+
+<file path=ppt/slides/slide20.xml><?xml version="1.0" encoding="utf-8"?>
+<p:sld xmlns:a="http://schemas.openxmlformats.org/drawingml/2006/main" xmlns:r="http://schemas.openxmlformats.org/officeDocument/2006/relationships" xmlns:p="http://schemas.openxmlformats.org/presentationml/2006/main">
+  <p:cSld>
+    <p:spTree>
+      <p:nvGrpSpPr>
+        <p:cNvPr id="1" name=""/>
+        <p:cNvGrpSpPr/>
+        <p:nvPr/>
+      </p:nvGrpSpPr>
+      <p:grpSpPr>
+        <a:xfrm>
+          <a:off x="0" y="0"/>
+          <a:ext cx="0" cy="0"/>
+          <a:chOff x="0" y="0"/>
+          <a:chExt cx="0" cy="0"/>
+        </a:xfrm>
+      </p:grpSpPr>
+      <p:sp>
+        <p:nvSpPr>
+          <p:cNvPr id="2" name="文本占位符 1">
+            <a:extLst>
+              <a:ext uri="{FF2B5EF4-FFF2-40B4-BE49-F238E27FC236}">
+                <a16:creationId xmlns:a16="http://schemas.microsoft.com/office/drawing/2014/main" id="{54F1F05B-2D5E-D446-BDEB-B06063897A81}"/>
+              </a:ext>
+            </a:extLst>
+          </p:cNvPr>
+          <p:cNvSpPr>
+            <a:spLocks noGrp="1"/>
+          </p:cNvSpPr>
+          <p:nvPr>
+            <p:ph type="body" sz="quarter" idx="10"/>
+          </p:nvPr>
+        </p:nvSpPr>
+        <p:spPr/>
+        <p:txBody>
+          <a:bodyPr/>
+          <a:lstStyle/>
+          <a:p>
+            <a:r>
+              <a:rPr kumimoji="1" lang="en-US" altLang="zh-CN" dirty="0"/>
+              <a:t>04</a:t>
+            </a:r>
+            <a:endParaRPr kumimoji="1" lang="zh-CN" altLang="en-US" dirty="0"/>
+          </a:p>
+        </p:txBody>
+      </p:sp>
+      <p:sp>
+        <p:nvSpPr>
+          <p:cNvPr id="3" name="文本占位符 2">
+            <a:extLst>
+              <a:ext uri="{FF2B5EF4-FFF2-40B4-BE49-F238E27FC236}">
+                <a16:creationId xmlns:a16="http://schemas.microsoft.com/office/drawing/2014/main" id="{F741F8D7-79AD-0D4C-BC81-ACC1CEB7BC4C}"/>
+              </a:ext>
+            </a:extLst>
+          </p:cNvPr>
+          <p:cNvSpPr>
+            <a:spLocks noGrp="1"/>
+          </p:cNvSpPr>
+          <p:nvPr>
+            <p:ph type="body" sz="quarter" idx="11"/>
+          </p:nvPr>
+        </p:nvSpPr>
+        <p:spPr/>
+        <p:txBody>
+          <a:bodyPr/>
+          <a:lstStyle/>
+          <a:p>
+            <a:r>
+              <a:rPr kumimoji="1" lang="en-US" altLang="zh-CN" dirty="0"/>
+              <a:t>PART</a:t>
+            </a:r>
+            <a:r>
+              <a:rPr kumimoji="1" lang="zh-CN" altLang="en-US" dirty="0"/>
+              <a:t> </a:t>
+            </a:r>
+            <a:r>
+              <a:rPr kumimoji="1" lang="en-US" altLang="zh-CN" dirty="0"/>
+              <a:t>FOUR</a:t>
+            </a:r>
+            <a:endParaRPr kumimoji="1" lang="zh-CN" altLang="en-US" dirty="0"/>
+          </a:p>
+        </p:txBody>
+      </p:sp>
+      <p:sp>
+        <p:nvSpPr>
+          <p:cNvPr id="4" name="文本占位符 3">
+            <a:extLst>
+              <a:ext uri="{FF2B5EF4-FFF2-40B4-BE49-F238E27FC236}">
+                <a16:creationId xmlns:a16="http://schemas.microsoft.com/office/drawing/2014/main" id="{0AF8F79D-E3ED-C14A-BE04-0BBDD24EB4EF}"/>
+              </a:ext>
+            </a:extLst>
+          </p:cNvPr>
+          <p:cNvSpPr>
+            <a:spLocks noGrp="1"/>
+          </p:cNvSpPr>
+          <p:nvPr>
+            <p:ph type="body" sz="quarter" idx="12"/>
+          </p:nvPr>
+        </p:nvSpPr>
+        <p:spPr/>
+        <p:txBody>
+          <a:bodyPr/>
+          <a:lstStyle/>
+          <a:p>
+            <a:r>
+              <a:rPr kumimoji="1" lang="zh-CN" altLang="en-US" dirty="0"/>
+              <a:t>经验总结</a:t>
+            </a:r>
+          </a:p>
+        </p:txBody>
+      </p:sp>
+      <p:pic>
+        <p:nvPicPr>
+          <p:cNvPr id="6" name="图片 5">
+            <a:extLst>
+              <a:ext uri="{FF2B5EF4-FFF2-40B4-BE49-F238E27FC236}">
+                <a16:creationId xmlns:a16="http://schemas.microsoft.com/office/drawing/2014/main" id="{ECC76920-38C2-3F49-AC82-C8D43A3041FC}"/>
+              </a:ext>
+            </a:extLst>
+          </p:cNvPr>
+          <p:cNvPicPr>
+            <a:picLocks noChangeAspect="1"/>
+          </p:cNvPicPr>
+          <p:nvPr/>
+        </p:nvPicPr>
+        <p:blipFill>
+          <a:blip r:embed="rId2"/>
+          <a:stretch>
+            <a:fillRect/>
+          </a:stretch>
+        </p:blipFill>
+        <p:spPr>
+          <a:xfrm>
+            <a:off x="3270873" y="0"/>
+            <a:ext cx="8542310" cy="6858000"/>
+          </a:xfrm>
+          <a:prstGeom prst="rect">
+            <a:avLst/>
+          </a:prstGeom>
+        </p:spPr>
+      </p:pic>
+      <p:sp>
+        <p:nvSpPr>
+          <p:cNvPr id="7" name="矩形 6">
+            <a:extLst>
+              <a:ext uri="{FF2B5EF4-FFF2-40B4-BE49-F238E27FC236}">
+                <a16:creationId xmlns:a16="http://schemas.microsoft.com/office/drawing/2014/main" id="{1FB542C2-9EA3-244D-AECC-5375482A90CC}"/>
+              </a:ext>
+            </a:extLst>
+          </p:cNvPr>
+          <p:cNvSpPr/>
+          <p:nvPr/>
+        </p:nvSpPr>
+        <p:spPr>
+          <a:xfrm>
+            <a:off x="672330" y="2146870"/>
+            <a:ext cx="5331708" cy="709105"/>
+          </a:xfrm>
+          <a:prstGeom prst="rect">
+            <a:avLst/>
+          </a:prstGeom>
+        </p:spPr>
+        <p:txBody>
+          <a:bodyPr wrap="square">
+            <a:spAutoFit/>
+          </a:bodyPr>
+          <a:lstStyle/>
+          <a:p>
+            <a:pPr>
+              <a:lnSpc>
+                <a:spcPct val="130000"/>
+              </a:lnSpc>
+            </a:pPr>
+            <a:r>
+              <a:rPr lang="zh-CN" altLang="en-US" sz="2000" b="1" dirty="0">
+                <a:solidFill>
+                  <a:srgbClr val="000000">
+                    <a:lumMod val="75000"/>
+                    <a:lumOff val="25000"/>
+                  </a:srgbClr>
+                </a:solidFill>
+                <a:latin typeface="微软雅黑" charset="0"/>
+                <a:ea typeface="微软雅黑" charset="0"/>
+              </a:rPr>
+              <a:t>工作笔记</a:t>
+            </a:r>
+            <a:endParaRPr lang="en-US" altLang="zh-CN" sz="2000" b="1" dirty="0">
+              <a:solidFill>
+                <a:srgbClr val="000000">
+                  <a:lumMod val="75000"/>
+                  <a:lumOff val="25000"/>
+                </a:srgbClr>
+              </a:solidFill>
+              <a:latin typeface="微软雅黑" charset="0"/>
+              <a:ea typeface="微软雅黑" charset="0"/>
+            </a:endParaRPr>
+          </a:p>
+          <a:p>
+            <a:pPr>
+              <a:lnSpc>
+                <a:spcPct val="130000"/>
+              </a:lnSpc>
+            </a:pPr>
+            <a:r>
+              <a:rPr lang="zh-CN" altLang="en-US" sz="1200" dirty="0">
+                <a:solidFill>
+                  <a:srgbClr val="000000">
+                    <a:lumMod val="75000"/>
+                    <a:lumOff val="25000"/>
+                  </a:srgbClr>
+                </a:solidFill>
+                <a:latin typeface="微软雅黑" charset="0"/>
+                <a:ea typeface="微软雅黑" charset="0"/>
+              </a:rPr>
+              <a:t>新知识</a:t>
+            </a:r>
+            <a:r>
+              <a:rPr lang="en-US" altLang="zh-CN" sz="1200" dirty="0">
+                <a:solidFill>
+                  <a:srgbClr val="000000">
+                    <a:lumMod val="75000"/>
+                    <a:lumOff val="25000"/>
+                  </a:srgbClr>
+                </a:solidFill>
+                <a:latin typeface="微软雅黑" charset="0"/>
+                <a:ea typeface="微软雅黑" charset="0"/>
+              </a:rPr>
+              <a:t>/</a:t>
+            </a:r>
+            <a:r>
+              <a:rPr lang="zh-CN" altLang="en-US" sz="1200" dirty="0">
+                <a:solidFill>
+                  <a:srgbClr val="000000">
+                    <a:lumMod val="75000"/>
+                    <a:lumOff val="25000"/>
+                  </a:srgbClr>
+                </a:solidFill>
+                <a:latin typeface="微软雅黑" charset="0"/>
+                <a:ea typeface="微软雅黑" charset="0"/>
+              </a:rPr>
+              <a:t>易错点</a:t>
+            </a:r>
+            <a:r>
+              <a:rPr lang="en-US" altLang="zh-CN" sz="1200" dirty="0">
+                <a:solidFill>
+                  <a:srgbClr val="000000">
+                    <a:lumMod val="75000"/>
+                    <a:lumOff val="25000"/>
+                  </a:srgbClr>
+                </a:solidFill>
+                <a:latin typeface="微软雅黑" charset="0"/>
+                <a:ea typeface="微软雅黑" charset="0"/>
+              </a:rPr>
+              <a:t>/</a:t>
+            </a:r>
+            <a:r>
+              <a:rPr lang="zh-CN" altLang="en-US" sz="1200" dirty="0">
+                <a:solidFill>
+                  <a:srgbClr val="000000">
+                    <a:lumMod val="75000"/>
+                    <a:lumOff val="25000"/>
+                  </a:srgbClr>
+                </a:solidFill>
+                <a:latin typeface="微软雅黑" charset="0"/>
+                <a:ea typeface="微软雅黑" charset="0"/>
+              </a:rPr>
+              <a:t>备忘录</a:t>
+            </a:r>
+          </a:p>
+        </p:txBody>
+      </p:sp>
+    </p:spTree>
+    <p:extLst>
+      <p:ext uri="{BB962C8B-B14F-4D97-AF65-F5344CB8AC3E}">
+        <p14:creationId xmlns:p14="http://schemas.microsoft.com/office/powerpoint/2010/main" val="1986776868"/>
+      </p:ext>
+    </p:extLst>
+  </p:cSld>
+  <p:clrMapOvr>
+    <a:masterClrMapping/>
+  </p:clrMapOvr>
+</p:sld>
+</file>
+
+<file path=ppt/slides/slide21.xml><?xml version="1.0" encoding="utf-8"?>
 <p:sld xmlns:a="http://schemas.openxmlformats.org/drawingml/2006/main" xmlns:r="http://schemas.openxmlformats.org/officeDocument/2006/relationships" xmlns:p="http://schemas.openxmlformats.org/presentationml/2006/main">
   <p:cSld>
     <p:spTree>
@@ -26248,7 +28750,15 @@
             </a:r>
             <a:r>
               <a:rPr lang="zh-CN" altLang="en-US" sz="1200" dirty="0"/>
-              <a:t>。拒绝当没有大脑的工具人</a:t>
+              <a:t>。</a:t>
+            </a:r>
+            <a:r>
+              <a:rPr lang="zh-CN" altLang="en-US" sz="1200" b="1" dirty="0"/>
+              <a:t>合作解决问题</a:t>
+            </a:r>
+            <a:r>
+              <a:rPr lang="zh-CN" altLang="en-US" sz="1200" dirty="0"/>
+              <a:t>。</a:t>
             </a:r>
             <a:endParaRPr lang="en-US" altLang="zh-CN" sz="1200" dirty="0"/>
           </a:p>
@@ -26377,7 +28887,7 @@
 </p:sld>
 </file>
 
-<file path=ppt/slides/slide18.xml><?xml version="1.0" encoding="utf-8"?>
+<file path=ppt/slides/slide22.xml><?xml version="1.0" encoding="utf-8"?>
 <p:sld xmlns:a="http://schemas.openxmlformats.org/drawingml/2006/main" xmlns:r="http://schemas.openxmlformats.org/officeDocument/2006/relationships" xmlns:p="http://schemas.openxmlformats.org/presentationml/2006/main">
   <p:cSld>
     <p:spTree>
@@ -26467,6 +28977,11 @@
               <a:rPr kumimoji="1" lang="zh-CN" altLang="en-US" dirty="0"/>
               <a:t>未来展望</a:t>
             </a:r>
+            <a:r>
+              <a:rPr kumimoji="1" lang="zh-CN" altLang="en-US"/>
+              <a:t>（如何落实）</a:t>
+            </a:r>
+            <a:endParaRPr kumimoji="1" lang="zh-CN" altLang="en-US" dirty="0"/>
           </a:p>
         </p:txBody>
       </p:sp>
@@ -27965,7 +30480,7 @@
 </p:sld>
 </file>
 
-<file path=ppt/slides/slide19.xml><?xml version="1.0" encoding="utf-8"?>
+<file path=ppt/slides/slide23.xml><?xml version="1.0" encoding="utf-8"?>
 <p:sld xmlns:a="http://schemas.openxmlformats.org/drawingml/2006/main" xmlns:r="http://schemas.openxmlformats.org/officeDocument/2006/relationships" xmlns:p="http://schemas.openxmlformats.org/presentationml/2006/main">
   <p:cSld>
     <p:spTree>
@@ -28133,354 +30648,6 @@
       </p:transition>
     </mc:Fallback>
   </mc:AlternateContent>
-</p:sld>
-</file>
-
-<file path=ppt/slides/slide2.xml><?xml version="1.0" encoding="utf-8"?>
-<p:sld xmlns:a="http://schemas.openxmlformats.org/drawingml/2006/main" xmlns:r="http://schemas.openxmlformats.org/officeDocument/2006/relationships" xmlns:p="http://schemas.openxmlformats.org/presentationml/2006/main">
-  <p:cSld>
-    <p:spTree>
-      <p:nvGrpSpPr>
-        <p:cNvPr id="1" name=""/>
-        <p:cNvGrpSpPr/>
-        <p:nvPr/>
-      </p:nvGrpSpPr>
-      <p:grpSpPr>
-        <a:xfrm>
-          <a:off x="0" y="0"/>
-          <a:ext cx="0" cy="0"/>
-          <a:chOff x="0" y="0"/>
-          <a:chExt cx="0" cy="0"/>
-        </a:xfrm>
-      </p:grpSpPr>
-      <p:sp>
-        <p:nvSpPr>
-          <p:cNvPr id="3" name="文本占位符 2"/>
-          <p:cNvSpPr>
-            <a:spLocks noGrp="1"/>
-          </p:cNvSpPr>
-          <p:nvPr>
-            <p:ph type="body" sz="quarter" idx="11"/>
-          </p:nvPr>
-        </p:nvSpPr>
-        <p:spPr/>
-        <p:txBody>
-          <a:bodyPr/>
-          <a:lstStyle/>
-          <a:p>
-            <a:r>
-              <a:rPr kumimoji="1" lang="en-US" altLang="zh-CN" dirty="0"/>
-              <a:t>01</a:t>
-            </a:r>
-            <a:r>
-              <a:rPr kumimoji="1" lang="zh-CN" altLang="en-US" dirty="0"/>
-              <a:t> </a:t>
-            </a:r>
-            <a:r>
-              <a:rPr lang="zh-CN" altLang="en-US" dirty="0">
-                <a:solidFill>
-                  <a:srgbClr val="FFFFFF"/>
-                </a:solidFill>
-              </a:rPr>
-              <a:t>自我介绍</a:t>
-            </a:r>
-          </a:p>
-        </p:txBody>
-      </p:sp>
-      <p:sp>
-        <p:nvSpPr>
-          <p:cNvPr id="4" name="文本占位符 3"/>
-          <p:cNvSpPr>
-            <a:spLocks noGrp="1"/>
-          </p:cNvSpPr>
-          <p:nvPr>
-            <p:ph type="body" sz="quarter" idx="12"/>
-          </p:nvPr>
-        </p:nvSpPr>
-        <p:spPr/>
-        <p:txBody>
-          <a:bodyPr/>
-          <a:lstStyle/>
-          <a:p>
-            <a:r>
-              <a:rPr kumimoji="1" lang="en-US" altLang="zh-CN" dirty="0"/>
-              <a:t>02</a:t>
-            </a:r>
-            <a:r>
-              <a:rPr kumimoji="1" lang="zh-CN" altLang="en-US" dirty="0"/>
-              <a:t> </a:t>
-            </a:r>
-            <a:r>
-              <a:rPr lang="zh-CN" altLang="en-US" dirty="0">
-                <a:solidFill>
-                  <a:srgbClr val="FFFFFF"/>
-                </a:solidFill>
-              </a:rPr>
-              <a:t>工作内容</a:t>
-            </a:r>
-          </a:p>
-        </p:txBody>
-      </p:sp>
-      <p:sp>
-        <p:nvSpPr>
-          <p:cNvPr id="5" name="文本占位符 4"/>
-          <p:cNvSpPr>
-            <a:spLocks noGrp="1"/>
-          </p:cNvSpPr>
-          <p:nvPr>
-            <p:ph type="body" sz="quarter" idx="13"/>
-          </p:nvPr>
-        </p:nvSpPr>
-        <p:spPr/>
-        <p:txBody>
-          <a:bodyPr/>
-          <a:lstStyle/>
-          <a:p>
-            <a:r>
-              <a:rPr kumimoji="1" lang="en-US" altLang="zh-CN" dirty="0"/>
-              <a:t>03</a:t>
-            </a:r>
-            <a:r>
-              <a:rPr kumimoji="1" lang="zh-CN" altLang="en-US" dirty="0"/>
-              <a:t> 工作思考</a:t>
-            </a:r>
-          </a:p>
-        </p:txBody>
-      </p:sp>
-      <p:sp>
-        <p:nvSpPr>
-          <p:cNvPr id="6" name="文本占位符 5"/>
-          <p:cNvSpPr>
-            <a:spLocks noGrp="1"/>
-          </p:cNvSpPr>
-          <p:nvPr>
-            <p:ph type="body" sz="quarter" idx="14"/>
-          </p:nvPr>
-        </p:nvSpPr>
-        <p:spPr/>
-        <p:txBody>
-          <a:bodyPr/>
-          <a:lstStyle/>
-          <a:p>
-            <a:r>
-              <a:rPr kumimoji="1" lang="en-US" altLang="zh-CN" dirty="0"/>
-              <a:t>04</a:t>
-            </a:r>
-            <a:r>
-              <a:rPr kumimoji="1" lang="zh-CN" altLang="en-US" dirty="0"/>
-              <a:t> 经验总结与未来展望</a:t>
-            </a:r>
-          </a:p>
-        </p:txBody>
-      </p:sp>
-      <p:sp>
-        <p:nvSpPr>
-          <p:cNvPr id="7" name="文本占位符 5">
-            <a:extLst>
-              <a:ext uri="{FF2B5EF4-FFF2-40B4-BE49-F238E27FC236}">
-                <a16:creationId xmlns:a16="http://schemas.microsoft.com/office/drawing/2014/main" id="{4756D4CD-F52A-9847-85D5-FFED8AB497AB}"/>
-              </a:ext>
-            </a:extLst>
-          </p:cNvPr>
-          <p:cNvSpPr txBox="1">
-            <a:spLocks/>
-          </p:cNvSpPr>
-          <p:nvPr/>
-        </p:nvSpPr>
-        <p:spPr>
-          <a:xfrm>
-            <a:off x="1423002" y="4913246"/>
-            <a:ext cx="5785627" cy="495054"/>
-          </a:xfrm>
-          <a:prstGeom prst="rect">
-            <a:avLst/>
-          </a:prstGeom>
-          <a:noFill/>
-        </p:spPr>
-        <p:txBody>
-          <a:bodyPr anchor="t"/>
-          <a:lstStyle>
-            <a:lvl1pPr marL="0" indent="0" algn="l" defTabSz="914400" rtl="0" eaLnBrk="1" latinLnBrk="0" hangingPunct="1">
-              <a:lnSpc>
-                <a:spcPct val="130000"/>
-              </a:lnSpc>
-              <a:spcBef>
-                <a:spcPts val="1000"/>
-              </a:spcBef>
-              <a:buFont typeface="Arial" panose="020B0604020202020204" pitchFamily="34" charset="0"/>
-              <a:buNone/>
-              <a:defRPr sz="1800" b="0" kern="1200">
-                <a:solidFill>
-                  <a:schemeClr val="bg1"/>
-                </a:solidFill>
-                <a:latin typeface="+mn-lt"/>
-                <a:ea typeface="+mn-ea"/>
-                <a:cs typeface="+mn-cs"/>
-              </a:defRPr>
-            </a:lvl1pPr>
-            <a:lvl2pPr marL="685800" indent="-228600" algn="l" defTabSz="914400" rtl="0" eaLnBrk="1" latinLnBrk="0" hangingPunct="1">
-              <a:lnSpc>
-                <a:spcPct val="90000"/>
-              </a:lnSpc>
-              <a:spcBef>
-                <a:spcPts val="500"/>
-              </a:spcBef>
-              <a:buFont typeface="Arial" panose="020B0604020202020204" pitchFamily="34" charset="0"/>
-              <a:buChar char="•"/>
-              <a:defRPr sz="2400" kern="1200">
-                <a:solidFill>
-                  <a:schemeClr val="tx1"/>
-                </a:solidFill>
-                <a:latin typeface="+mn-lt"/>
-                <a:ea typeface="+mn-ea"/>
-                <a:cs typeface="+mn-cs"/>
-              </a:defRPr>
-            </a:lvl2pPr>
-            <a:lvl3pPr marL="1143000" indent="-228600" algn="l" defTabSz="914400" rtl="0" eaLnBrk="1" latinLnBrk="0" hangingPunct="1">
-              <a:lnSpc>
-                <a:spcPct val="90000"/>
-              </a:lnSpc>
-              <a:spcBef>
-                <a:spcPts val="500"/>
-              </a:spcBef>
-              <a:buFont typeface="Arial" panose="020B0604020202020204" pitchFamily="34" charset="0"/>
-              <a:buChar char="•"/>
-              <a:defRPr sz="2000" kern="1200">
-                <a:solidFill>
-                  <a:schemeClr val="tx1"/>
-                </a:solidFill>
-                <a:latin typeface="+mn-lt"/>
-                <a:ea typeface="+mn-ea"/>
-                <a:cs typeface="+mn-cs"/>
-              </a:defRPr>
-            </a:lvl3pPr>
-            <a:lvl4pPr marL="1600200" indent="-228600" algn="l" defTabSz="914400" rtl="0" eaLnBrk="1" latinLnBrk="0" hangingPunct="1">
-              <a:lnSpc>
-                <a:spcPct val="90000"/>
-              </a:lnSpc>
-              <a:spcBef>
-                <a:spcPts val="500"/>
-              </a:spcBef>
-              <a:buFont typeface="Arial" panose="020B0604020202020204" pitchFamily="34" charset="0"/>
-              <a:buChar char="•"/>
-              <a:defRPr sz="1800" kern="1200">
-                <a:solidFill>
-                  <a:schemeClr val="tx1"/>
-                </a:solidFill>
-                <a:latin typeface="+mn-lt"/>
-                <a:ea typeface="+mn-ea"/>
-                <a:cs typeface="+mn-cs"/>
-              </a:defRPr>
-            </a:lvl4pPr>
-            <a:lvl5pPr marL="2057400" indent="-228600" algn="l" defTabSz="914400" rtl="0" eaLnBrk="1" latinLnBrk="0" hangingPunct="1">
-              <a:lnSpc>
-                <a:spcPct val="90000"/>
-              </a:lnSpc>
-              <a:spcBef>
-                <a:spcPts val="500"/>
-              </a:spcBef>
-              <a:buFont typeface="Arial" panose="020B0604020202020204" pitchFamily="34" charset="0"/>
-              <a:buChar char="•"/>
-              <a:defRPr sz="1800" kern="1200">
-                <a:solidFill>
-                  <a:schemeClr val="tx1"/>
-                </a:solidFill>
-                <a:latin typeface="+mn-lt"/>
-                <a:ea typeface="+mn-ea"/>
-                <a:cs typeface="+mn-cs"/>
-              </a:defRPr>
-            </a:lvl5pPr>
-            <a:lvl6pPr marL="2514600" indent="-228600" algn="l" defTabSz="914400" rtl="0" eaLnBrk="1" latinLnBrk="0" hangingPunct="1">
-              <a:lnSpc>
-                <a:spcPct val="90000"/>
-              </a:lnSpc>
-              <a:spcBef>
-                <a:spcPts val="500"/>
-              </a:spcBef>
-              <a:buFont typeface="Arial" panose="020B0604020202020204" pitchFamily="34" charset="0"/>
-              <a:buChar char="•"/>
-              <a:defRPr sz="1800" kern="1200">
-                <a:solidFill>
-                  <a:schemeClr val="tx1"/>
-                </a:solidFill>
-                <a:latin typeface="+mn-lt"/>
-                <a:ea typeface="+mn-ea"/>
-                <a:cs typeface="+mn-cs"/>
-              </a:defRPr>
-            </a:lvl6pPr>
-            <a:lvl7pPr marL="2971800" indent="-228600" algn="l" defTabSz="914400" rtl="0" eaLnBrk="1" latinLnBrk="0" hangingPunct="1">
-              <a:lnSpc>
-                <a:spcPct val="90000"/>
-              </a:lnSpc>
-              <a:spcBef>
-                <a:spcPts val="500"/>
-              </a:spcBef>
-              <a:buFont typeface="Arial" panose="020B0604020202020204" pitchFamily="34" charset="0"/>
-              <a:buChar char="•"/>
-              <a:defRPr sz="1800" kern="1200">
-                <a:solidFill>
-                  <a:schemeClr val="tx1"/>
-                </a:solidFill>
-                <a:latin typeface="+mn-lt"/>
-                <a:ea typeface="+mn-ea"/>
-                <a:cs typeface="+mn-cs"/>
-              </a:defRPr>
-            </a:lvl7pPr>
-            <a:lvl8pPr marL="3429000" indent="-228600" algn="l" defTabSz="914400" rtl="0" eaLnBrk="1" latinLnBrk="0" hangingPunct="1">
-              <a:lnSpc>
-                <a:spcPct val="90000"/>
-              </a:lnSpc>
-              <a:spcBef>
-                <a:spcPts val="500"/>
-              </a:spcBef>
-              <a:buFont typeface="Arial" panose="020B0604020202020204" pitchFamily="34" charset="0"/>
-              <a:buChar char="•"/>
-              <a:defRPr sz="1800" kern="1200">
-                <a:solidFill>
-                  <a:schemeClr val="tx1"/>
-                </a:solidFill>
-                <a:latin typeface="+mn-lt"/>
-                <a:ea typeface="+mn-ea"/>
-                <a:cs typeface="+mn-cs"/>
-              </a:defRPr>
-            </a:lvl8pPr>
-            <a:lvl9pPr marL="3886200" indent="-228600" algn="l" defTabSz="914400" rtl="0" eaLnBrk="1" latinLnBrk="0" hangingPunct="1">
-              <a:lnSpc>
-                <a:spcPct val="90000"/>
-              </a:lnSpc>
-              <a:spcBef>
-                <a:spcPts val="500"/>
-              </a:spcBef>
-              <a:buFont typeface="Arial" panose="020B0604020202020204" pitchFamily="34" charset="0"/>
-              <a:buChar char="•"/>
-              <a:defRPr sz="1800" kern="1200">
-                <a:solidFill>
-                  <a:schemeClr val="tx1"/>
-                </a:solidFill>
-                <a:latin typeface="+mn-lt"/>
-                <a:ea typeface="+mn-ea"/>
-                <a:cs typeface="+mn-cs"/>
-              </a:defRPr>
-            </a:lvl9pPr>
-          </a:lstStyle>
-          <a:p>
-            <a:endParaRPr kumimoji="1" lang="zh-CN" altLang="en-US" dirty="0"/>
-          </a:p>
-        </p:txBody>
-      </p:sp>
-    </p:spTree>
-    <p:extLst>
-      <p:ext uri="{BB962C8B-B14F-4D97-AF65-F5344CB8AC3E}">
-        <p14:creationId xmlns:p14="http://schemas.microsoft.com/office/powerpoint/2010/main" val="1467963981"/>
-      </p:ext>
-    </p:extLst>
-  </p:cSld>
-  <p:clrMapOvr>
-    <a:masterClrMapping/>
-  </p:clrMapOvr>
-  <p:transition spd="slow">
-    <p:randomBar dir="vert"/>
-  </p:transition>
 </p:sld>
 </file>
 
@@ -29037,7 +31204,7 @@
         <p:spPr>
           <a:xfrm>
             <a:off x="4473529" y="4242299"/>
-            <a:ext cx="2042441" cy="1073114"/>
+            <a:ext cx="2042441" cy="873060"/>
           </a:xfrm>
           <a:prstGeom prst="rect">
             <a:avLst/>
@@ -29140,20 +31307,6 @@
               <a:t>数学建模全国一等奖</a:t>
             </a:r>
             <a:endParaRPr lang="en-US" altLang="zh-CN" sz="1000" dirty="0">
-              <a:solidFill>
-                <a:srgbClr val="FFFFFF"/>
-              </a:solidFill>
-              <a:latin typeface="微软雅黑"/>
-              <a:ea typeface="微软雅黑"/>
-            </a:endParaRPr>
-          </a:p>
-          <a:p>
-            <a:pPr algn="ctr">
-              <a:lnSpc>
-                <a:spcPct val="130000"/>
-              </a:lnSpc>
-            </a:pPr>
-            <a:endParaRPr lang="zh-CN" altLang="en-US" sz="1000" dirty="0">
               <a:solidFill>
                 <a:srgbClr val="FFFFFF"/>
               </a:solidFill>
@@ -31332,7 +33485,7 @@
         <p:spPr>
           <a:xfrm>
             <a:off x="5989091" y="1809859"/>
-            <a:ext cx="1723549" cy="461665"/>
+            <a:ext cx="800219" cy="461665"/>
           </a:xfrm>
           <a:prstGeom prst="rect">
             <a:avLst/>
@@ -31355,7 +33508,7 @@
                 <a:latin typeface="微软雅黑"/>
                 <a:ea typeface="微软雅黑"/>
               </a:rPr>
-              <a:t>修复类需求</a:t>
+              <a:t>需求</a:t>
             </a:r>
           </a:p>
         </p:txBody>
@@ -31679,7 +33832,7 @@
         <p:spPr>
           <a:xfrm>
             <a:off x="5989091" y="3370076"/>
-            <a:ext cx="1723549" cy="461665"/>
+            <a:ext cx="800219" cy="461665"/>
           </a:xfrm>
           <a:prstGeom prst="rect">
             <a:avLst/>
@@ -31692,7 +33845,7 @@
           <a:lstStyle/>
           <a:p>
             <a:r>
-              <a:rPr lang="zh-CN" altLang="en-US" sz="2400" b="1" dirty="0">
+              <a:rPr lang="zh-CN" altLang="en-US" sz="2400" b="1">
                 <a:solidFill>
                   <a:srgbClr val="000000">
                     <a:lumMod val="85000"/>
@@ -31702,8 +33855,18 @@
                 <a:latin typeface="微软雅黑"/>
                 <a:ea typeface="微软雅黑"/>
               </a:rPr>
-              <a:t>改造类需求</a:t>
-            </a:r>
+              <a:t>优化</a:t>
+            </a:r>
+            <a:endParaRPr lang="zh-CN" altLang="en-US" sz="2400" b="1" dirty="0">
+              <a:solidFill>
+                <a:srgbClr val="000000">
+                  <a:lumMod val="85000"/>
+                  <a:lumOff val="15000"/>
+                </a:srgbClr>
+              </a:solidFill>
+              <a:latin typeface="微软雅黑"/>
+              <a:ea typeface="微软雅黑"/>
+            </a:endParaRPr>
           </a:p>
         </p:txBody>
       </p:sp>
@@ -31716,7 +33879,7 @@
         <p:spPr>
           <a:xfrm>
             <a:off x="5977976" y="3771407"/>
-            <a:ext cx="5331708" cy="1029193"/>
+            <a:ext cx="5894630" cy="1029193"/>
           </a:xfrm>
           <a:prstGeom prst="rect">
             <a:avLst/>
@@ -31783,7 +33946,7 @@
                 <a:latin typeface="微软雅黑" charset="0"/>
                 <a:ea typeface="微软雅黑" charset="0"/>
               </a:rPr>
-              <a:t>的网络传参，改造</a:t>
+              <a:t>的网络传参，优化</a:t>
             </a:r>
             <a:r>
               <a:rPr lang="en-US" altLang="zh-CN" sz="1200" dirty="0" err="1">
@@ -31930,7 +34093,7 @@
                 <a:latin typeface="微软雅黑" charset="0"/>
                 <a:ea typeface="微软雅黑" charset="0"/>
               </a:rPr>
-              <a:t>的工作原理</a:t>
+              <a:t>的工作原理，优化组件依赖关系</a:t>
             </a:r>
             <a:endParaRPr lang="en-US" altLang="zh-CN" sz="1200" dirty="0">
               <a:solidFill>
@@ -31999,7 +34162,33 @@
                 <a:latin typeface="微软雅黑" charset="0"/>
                 <a:ea typeface="微软雅黑" charset="0"/>
               </a:rPr>
-              <a:t>在吃鸡游戏中的改造链接库依赖问题</a:t>
+              <a:t>在吃鸡游戏中的</a:t>
+            </a:r>
+            <a:r>
+              <a:rPr lang="en-US" altLang="zh-CN" sz="1200" dirty="0">
+                <a:solidFill>
+                  <a:srgbClr val="000000">
+                    <a:lumMod val="75000"/>
+                    <a:lumOff val="25000"/>
+                  </a:srgbClr>
+                </a:solidFill>
+                <a:latin typeface="微软雅黑" charset="0"/>
+                <a:ea typeface="微软雅黑" charset="0"/>
+              </a:rPr>
+              <a:t>STL</a:t>
+            </a:r>
+            <a:r>
+              <a:rPr lang="zh-CN" altLang="en-US" sz="1200" dirty="0">
+                <a:solidFill>
+                  <a:srgbClr val="000000">
+                    <a:lumMod val="75000"/>
+                    <a:lumOff val="25000"/>
+                  </a:srgbClr>
+                </a:solidFill>
+                <a:latin typeface="微软雅黑" charset="0"/>
+                <a:ea typeface="微软雅黑" charset="0"/>
+              </a:rPr>
+              <a:t>问题，提出一套解决方案*</a:t>
             </a:r>
             <a:endParaRPr lang="en-US" altLang="zh-CN" sz="1200" dirty="0">
               <a:solidFill>
@@ -32094,7 +34283,7 @@
                 <a:latin typeface="微软雅黑" charset="0"/>
                 <a:ea typeface="微软雅黑" charset="0"/>
               </a:rPr>
-              <a:t>版本降级</a:t>
+              <a:t>版本降级，提高日志组件对旧项目的兼容性</a:t>
             </a:r>
             <a:endParaRPr lang="en-US" altLang="zh-CN" sz="1200" dirty="0">
               <a:solidFill>
@@ -32118,7 +34307,7 @@
         <p:spPr>
           <a:xfrm>
             <a:off x="5989091" y="4974001"/>
-            <a:ext cx="1723549" cy="461665"/>
+            <a:ext cx="2339102" cy="461665"/>
           </a:xfrm>
           <a:prstGeom prst="rect">
             <a:avLst/>
@@ -32141,7 +34330,7 @@
                 <a:latin typeface="微软雅黑"/>
                 <a:ea typeface="微软雅黑"/>
               </a:rPr>
-              <a:t>日志库重构</a:t>
+              <a:t>日志库重构项目</a:t>
             </a:r>
           </a:p>
         </p:txBody>
@@ -32622,6 +34811,467 @@
       </p:grpSpPr>
       <p:sp>
         <p:nvSpPr>
+          <p:cNvPr id="2" name="文本占位符 1">
+            <a:extLst>
+              <a:ext uri="{FF2B5EF4-FFF2-40B4-BE49-F238E27FC236}">
+                <a16:creationId xmlns:a16="http://schemas.microsoft.com/office/drawing/2014/main" id="{9DD3203F-212C-E246-89F8-1C3CDD94742B}"/>
+              </a:ext>
+            </a:extLst>
+          </p:cNvPr>
+          <p:cNvSpPr>
+            <a:spLocks noGrp="1"/>
+          </p:cNvSpPr>
+          <p:nvPr>
+            <p:ph type="body" sz="quarter" idx="10"/>
+          </p:nvPr>
+        </p:nvSpPr>
+        <p:spPr/>
+        <p:txBody>
+          <a:bodyPr/>
+          <a:lstStyle/>
+          <a:p>
+            <a:r>
+              <a:rPr kumimoji="1" lang="en-US" altLang="zh-CN" dirty="0"/>
+              <a:t>02</a:t>
+            </a:r>
+            <a:endParaRPr kumimoji="1" lang="zh-CN" altLang="en-US" dirty="0"/>
+          </a:p>
+        </p:txBody>
+      </p:sp>
+      <p:sp>
+        <p:nvSpPr>
+          <p:cNvPr id="3" name="文本占位符 2">
+            <a:extLst>
+              <a:ext uri="{FF2B5EF4-FFF2-40B4-BE49-F238E27FC236}">
+                <a16:creationId xmlns:a16="http://schemas.microsoft.com/office/drawing/2014/main" id="{09E8C007-9433-FB47-B6CB-A7576B475A74}"/>
+              </a:ext>
+            </a:extLst>
+          </p:cNvPr>
+          <p:cNvSpPr>
+            <a:spLocks noGrp="1"/>
+          </p:cNvSpPr>
+          <p:nvPr>
+            <p:ph type="body" sz="quarter" idx="11"/>
+          </p:nvPr>
+        </p:nvSpPr>
+        <p:spPr/>
+        <p:txBody>
+          <a:bodyPr/>
+          <a:lstStyle/>
+          <a:p>
+            <a:r>
+              <a:rPr kumimoji="1" lang="en-US" altLang="zh-CN" dirty="0"/>
+              <a:t>PART</a:t>
+            </a:r>
+            <a:r>
+              <a:rPr kumimoji="1" lang="zh-CN" altLang="en-US" dirty="0"/>
+              <a:t> </a:t>
+            </a:r>
+            <a:r>
+              <a:rPr kumimoji="1" lang="en-US" altLang="zh-CN" dirty="0"/>
+              <a:t>TWO</a:t>
+            </a:r>
+            <a:endParaRPr kumimoji="1" lang="zh-CN" altLang="en-US" dirty="0"/>
+          </a:p>
+        </p:txBody>
+      </p:sp>
+      <p:sp>
+        <p:nvSpPr>
+          <p:cNvPr id="4" name="文本占位符 3">
+            <a:extLst>
+              <a:ext uri="{FF2B5EF4-FFF2-40B4-BE49-F238E27FC236}">
+                <a16:creationId xmlns:a16="http://schemas.microsoft.com/office/drawing/2014/main" id="{5892DBBB-31BA-8049-8A76-B58CA85F845E}"/>
+              </a:ext>
+            </a:extLst>
+          </p:cNvPr>
+          <p:cNvSpPr>
+            <a:spLocks noGrp="1"/>
+          </p:cNvSpPr>
+          <p:nvPr>
+            <p:ph type="body" sz="quarter" idx="12"/>
+          </p:nvPr>
+        </p:nvSpPr>
+        <p:spPr/>
+        <p:txBody>
+          <a:bodyPr/>
+          <a:lstStyle/>
+          <a:p>
+            <a:r>
+              <a:rPr kumimoji="1" lang="zh-CN" altLang="en-US" dirty="0"/>
+              <a:t>工作内容</a:t>
+            </a:r>
+          </a:p>
+        </p:txBody>
+      </p:sp>
+      <p:sp>
+        <p:nvSpPr>
+          <p:cNvPr id="5" name="文本框 4">
+            <a:extLst>
+              <a:ext uri="{FF2B5EF4-FFF2-40B4-BE49-F238E27FC236}">
+                <a16:creationId xmlns:a16="http://schemas.microsoft.com/office/drawing/2014/main" id="{02DEB128-6B8B-3841-BD85-4653C064EF39}"/>
+              </a:ext>
+            </a:extLst>
+          </p:cNvPr>
+          <p:cNvSpPr txBox="1"/>
+          <p:nvPr/>
+        </p:nvSpPr>
+        <p:spPr>
+          <a:xfrm>
+            <a:off x="2126512" y="2211572"/>
+            <a:ext cx="7250703" cy="2211055"/>
+          </a:xfrm>
+          <a:prstGeom prst="rect">
+            <a:avLst/>
+          </a:prstGeom>
+          <a:noFill/>
+        </p:spPr>
+        <p:txBody>
+          <a:bodyPr wrap="none" rtlCol="0">
+            <a:spAutoFit/>
+          </a:bodyPr>
+          <a:lstStyle/>
+          <a:p>
+            <a:pPr>
+              <a:lnSpc>
+                <a:spcPct val="130000"/>
+              </a:lnSpc>
+              <a:spcBef>
+                <a:spcPts val="600"/>
+              </a:spcBef>
+            </a:pPr>
+            <a:r>
+              <a:rPr kumimoji="1" lang="zh-CN" altLang="en-US" sz="1200" kern="0" dirty="0">
+                <a:latin typeface="微软雅黑" panose="020B0503020204020204" pitchFamily="34" charset="-122"/>
+                <a:ea typeface="微软雅黑" panose="020B0503020204020204" pitchFamily="34" charset="-122"/>
+                <a:cs typeface="+mn-ea"/>
+                <a:sym typeface="+mn-lt"/>
+              </a:rPr>
+              <a:t>平台兼容性问题：</a:t>
+            </a:r>
+          </a:p>
+          <a:p>
+            <a:pPr>
+              <a:lnSpc>
+                <a:spcPct val="130000"/>
+              </a:lnSpc>
+              <a:spcBef>
+                <a:spcPts val="600"/>
+              </a:spcBef>
+            </a:pPr>
+            <a:r>
+              <a:rPr kumimoji="1" lang="en-US" altLang="zh-CN" sz="1200" kern="0" dirty="0">
+                <a:latin typeface="微软雅黑" panose="020B0503020204020204" pitchFamily="34" charset="-122"/>
+                <a:ea typeface="微软雅黑" panose="020B0503020204020204" pitchFamily="34" charset="-122"/>
+                <a:cs typeface="+mn-ea"/>
+                <a:sym typeface="+mn-lt"/>
+              </a:rPr>
+              <a:t>1. </a:t>
+            </a:r>
+            <a:r>
+              <a:rPr kumimoji="1" lang="en" altLang="zh-CN" sz="1200" kern="0" dirty="0">
+                <a:latin typeface="微软雅黑" panose="020B0503020204020204" pitchFamily="34" charset="-122"/>
+                <a:ea typeface="微软雅黑" panose="020B0503020204020204" pitchFamily="34" charset="-122"/>
+                <a:cs typeface="+mn-ea"/>
+                <a:sym typeface="+mn-lt"/>
+              </a:rPr>
+              <a:t>UI</a:t>
+            </a:r>
+            <a:r>
+              <a:rPr kumimoji="1" lang="zh-CN" altLang="en-US" sz="1200" kern="0" dirty="0">
+                <a:latin typeface="微软雅黑" panose="020B0503020204020204" pitchFamily="34" charset="-122"/>
+                <a:ea typeface="微软雅黑" panose="020B0503020204020204" pitchFamily="34" charset="-122"/>
+                <a:cs typeface="+mn-ea"/>
+                <a:sym typeface="+mn-lt"/>
+              </a:rPr>
+              <a:t>差异，</a:t>
+            </a:r>
+            <a:r>
+              <a:rPr kumimoji="1" lang="en" altLang="zh-CN" sz="1200" kern="0" dirty="0">
+                <a:latin typeface="微软雅黑" panose="020B0503020204020204" pitchFamily="34" charset="-122"/>
+                <a:ea typeface="微软雅黑" panose="020B0503020204020204" pitchFamily="34" charset="-122"/>
+                <a:cs typeface="+mn-ea"/>
+                <a:sym typeface="+mn-lt"/>
+              </a:rPr>
+              <a:t>hippy</a:t>
+            </a:r>
+            <a:r>
+              <a:rPr kumimoji="1" lang="zh-CN" altLang="en-US" sz="1200" kern="0" dirty="0">
+                <a:latin typeface="微软雅黑" panose="020B0503020204020204" pitchFamily="34" charset="-122"/>
+                <a:ea typeface="微软雅黑" panose="020B0503020204020204" pitchFamily="34" charset="-122"/>
+                <a:cs typeface="+mn-ea"/>
+                <a:sym typeface="+mn-lt"/>
+              </a:rPr>
+              <a:t>基于原生平台控件，两端实现有可能不一致，</a:t>
+            </a:r>
+            <a:r>
+              <a:rPr kumimoji="1" lang="en" altLang="zh-CN" sz="1200" kern="0" dirty="0">
+                <a:latin typeface="微软雅黑" panose="020B0503020204020204" pitchFamily="34" charset="-122"/>
+                <a:ea typeface="微软雅黑" panose="020B0503020204020204" pitchFamily="34" charset="-122"/>
+                <a:cs typeface="+mn-ea"/>
+                <a:sym typeface="+mn-lt"/>
+              </a:rPr>
+              <a:t>UI</a:t>
+            </a:r>
+            <a:r>
+              <a:rPr kumimoji="1" lang="zh-CN" altLang="en-US" sz="1200" kern="0" dirty="0">
+                <a:latin typeface="微软雅黑" panose="020B0503020204020204" pitchFamily="34" charset="-122"/>
+                <a:ea typeface="微软雅黑" panose="020B0503020204020204" pitchFamily="34" charset="-122"/>
+                <a:cs typeface="+mn-ea"/>
+                <a:sym typeface="+mn-lt"/>
+              </a:rPr>
+              <a:t>联调要花费不少时间。</a:t>
+            </a:r>
+          </a:p>
+          <a:p>
+            <a:pPr>
+              <a:lnSpc>
+                <a:spcPct val="130000"/>
+              </a:lnSpc>
+              <a:spcBef>
+                <a:spcPts val="600"/>
+              </a:spcBef>
+            </a:pPr>
+            <a:r>
+              <a:rPr kumimoji="1" lang="en-US" altLang="zh-CN" sz="1200" kern="0" dirty="0">
+                <a:latin typeface="微软雅黑" panose="020B0503020204020204" pitchFamily="34" charset="-122"/>
+                <a:ea typeface="微软雅黑" panose="020B0503020204020204" pitchFamily="34" charset="-122"/>
+                <a:cs typeface="+mn-ea"/>
+                <a:sym typeface="+mn-lt"/>
+              </a:rPr>
+              <a:t>2. </a:t>
+            </a:r>
+            <a:r>
+              <a:rPr kumimoji="1" lang="zh-CN" altLang="en-US" sz="1200" kern="0" dirty="0">
+                <a:latin typeface="微软雅黑" panose="020B0503020204020204" pitchFamily="34" charset="-122"/>
+                <a:ea typeface="微软雅黑" panose="020B0503020204020204" pitchFamily="34" charset="-122"/>
+                <a:cs typeface="+mn-ea"/>
+                <a:sym typeface="+mn-lt"/>
+              </a:rPr>
+              <a:t>系统版本</a:t>
+            </a:r>
+            <a:r>
+              <a:rPr kumimoji="1" lang="en" altLang="zh-CN" sz="1200" kern="0" dirty="0">
+                <a:latin typeface="微软雅黑" panose="020B0503020204020204" pitchFamily="34" charset="-122"/>
+                <a:ea typeface="微软雅黑" panose="020B0503020204020204" pitchFamily="34" charset="-122"/>
+                <a:cs typeface="+mn-ea"/>
+                <a:sym typeface="+mn-lt"/>
+              </a:rPr>
+              <a:t>API</a:t>
+            </a:r>
+            <a:r>
+              <a:rPr kumimoji="1" lang="zh-CN" altLang="en-US" sz="1200" kern="0" dirty="0">
+                <a:latin typeface="微软雅黑" panose="020B0503020204020204" pitchFamily="34" charset="-122"/>
+                <a:ea typeface="微软雅黑" panose="020B0503020204020204" pitchFamily="34" charset="-122"/>
+                <a:cs typeface="+mn-ea"/>
+                <a:sym typeface="+mn-lt"/>
+              </a:rPr>
+              <a:t>适配，有些能力低版本系统不具备，比如浮动键盘的高度获取，只有</a:t>
+            </a:r>
+            <a:r>
+              <a:rPr kumimoji="1" lang="en" altLang="zh-CN" sz="1200" kern="0" dirty="0">
+                <a:latin typeface="微软雅黑" panose="020B0503020204020204" pitchFamily="34" charset="-122"/>
+                <a:ea typeface="微软雅黑" panose="020B0503020204020204" pitchFamily="34" charset="-122"/>
+                <a:cs typeface="+mn-ea"/>
+                <a:sym typeface="+mn-lt"/>
+              </a:rPr>
+              <a:t>android 11</a:t>
+            </a:r>
+            <a:r>
+              <a:rPr kumimoji="1" lang="zh-CN" altLang="en-US" sz="1200" kern="0" dirty="0">
+                <a:latin typeface="微软雅黑" panose="020B0503020204020204" pitchFamily="34" charset="-122"/>
+                <a:ea typeface="微软雅黑" panose="020B0503020204020204" pitchFamily="34" charset="-122"/>
+                <a:cs typeface="+mn-ea"/>
+                <a:sym typeface="+mn-lt"/>
+              </a:rPr>
+              <a:t>才支持。</a:t>
+            </a:r>
+          </a:p>
+          <a:p>
+            <a:pPr>
+              <a:lnSpc>
+                <a:spcPct val="130000"/>
+              </a:lnSpc>
+              <a:spcBef>
+                <a:spcPts val="600"/>
+              </a:spcBef>
+            </a:pPr>
+            <a:endParaRPr kumimoji="1" lang="zh-CN" altLang="en-US" sz="1200" kern="0" dirty="0">
+              <a:latin typeface="微软雅黑" panose="020B0503020204020204" pitchFamily="34" charset="-122"/>
+              <a:ea typeface="微软雅黑" panose="020B0503020204020204" pitchFamily="34" charset="-122"/>
+              <a:cs typeface="+mn-ea"/>
+              <a:sym typeface="+mn-lt"/>
+            </a:endParaRPr>
+          </a:p>
+          <a:p>
+            <a:pPr>
+              <a:lnSpc>
+                <a:spcPct val="130000"/>
+              </a:lnSpc>
+              <a:spcBef>
+                <a:spcPts val="600"/>
+              </a:spcBef>
+            </a:pPr>
+            <a:r>
+              <a:rPr kumimoji="1" lang="zh-CN" altLang="en-US" sz="1200" kern="0" dirty="0">
+                <a:latin typeface="微软雅黑" panose="020B0503020204020204" pitchFamily="34" charset="-122"/>
+                <a:ea typeface="微软雅黑" panose="020B0503020204020204" pitchFamily="34" charset="-122"/>
+                <a:cs typeface="+mn-ea"/>
+                <a:sym typeface="+mn-lt"/>
+              </a:rPr>
+              <a:t>开发效率：</a:t>
+            </a:r>
+          </a:p>
+          <a:p>
+            <a:pPr>
+              <a:lnSpc>
+                <a:spcPct val="130000"/>
+              </a:lnSpc>
+              <a:spcBef>
+                <a:spcPts val="600"/>
+              </a:spcBef>
+            </a:pPr>
+            <a:r>
+              <a:rPr kumimoji="1" lang="en-US" altLang="zh-CN" sz="1200" kern="0" dirty="0">
+                <a:latin typeface="微软雅黑" panose="020B0503020204020204" pitchFamily="34" charset="-122"/>
+                <a:ea typeface="微软雅黑" panose="020B0503020204020204" pitchFamily="34" charset="-122"/>
+                <a:cs typeface="+mn-ea"/>
+                <a:sym typeface="+mn-lt"/>
+              </a:rPr>
+              <a:t>1. </a:t>
+            </a:r>
+            <a:r>
+              <a:rPr kumimoji="1" lang="zh-CN" altLang="en-US" sz="1200" kern="0" dirty="0">
+                <a:latin typeface="微软雅黑" panose="020B0503020204020204" pitchFamily="34" charset="-122"/>
+                <a:ea typeface="微软雅黑" panose="020B0503020204020204" pitchFamily="34" charset="-122"/>
+                <a:cs typeface="+mn-ea"/>
+                <a:sym typeface="+mn-lt"/>
+              </a:rPr>
+              <a:t>非</a:t>
+            </a:r>
+            <a:r>
+              <a:rPr kumimoji="1" lang="en" altLang="zh-CN" sz="1200" kern="0" dirty="0">
+                <a:latin typeface="微软雅黑" panose="020B0503020204020204" pitchFamily="34" charset="-122"/>
+                <a:ea typeface="微软雅黑" panose="020B0503020204020204" pitchFamily="34" charset="-122"/>
+                <a:cs typeface="+mn-ea"/>
+                <a:sym typeface="+mn-lt"/>
+              </a:rPr>
+              <a:t>JS</a:t>
+            </a:r>
+            <a:r>
+              <a:rPr kumimoji="1" lang="zh-CN" altLang="en-US" sz="1200" kern="0" dirty="0">
+                <a:latin typeface="微软雅黑" panose="020B0503020204020204" pitchFamily="34" charset="-122"/>
+                <a:ea typeface="微软雅黑" panose="020B0503020204020204" pitchFamily="34" charset="-122"/>
+                <a:cs typeface="+mn-ea"/>
+                <a:sym typeface="+mn-lt"/>
+              </a:rPr>
+              <a:t>功能使用原生实现，两端都要各实现一次。</a:t>
+            </a:r>
+          </a:p>
+          <a:p>
+            <a:pPr>
+              <a:lnSpc>
+                <a:spcPct val="130000"/>
+              </a:lnSpc>
+              <a:spcBef>
+                <a:spcPts val="600"/>
+              </a:spcBef>
+            </a:pPr>
+            <a:r>
+              <a:rPr kumimoji="1" lang="en-US" altLang="zh-CN" sz="1200" kern="0" dirty="0">
+                <a:latin typeface="微软雅黑" panose="020B0503020204020204" pitchFamily="34" charset="-122"/>
+                <a:ea typeface="微软雅黑" panose="020B0503020204020204" pitchFamily="34" charset="-122"/>
+                <a:cs typeface="+mn-ea"/>
+                <a:sym typeface="+mn-lt"/>
+              </a:rPr>
+              <a:t>2. </a:t>
+            </a:r>
+            <a:r>
+              <a:rPr kumimoji="1" lang="zh-CN" altLang="en-US" sz="1200" kern="0" dirty="0">
+                <a:latin typeface="微软雅黑" panose="020B0503020204020204" pitchFamily="34" charset="-122"/>
+                <a:ea typeface="微软雅黑" panose="020B0503020204020204" pitchFamily="34" charset="-122"/>
+                <a:cs typeface="+mn-ea"/>
+                <a:sym typeface="+mn-lt"/>
+              </a:rPr>
+              <a:t>对外给游戏接口传参太多，不方便接入。</a:t>
+            </a:r>
+          </a:p>
+        </p:txBody>
+      </p:sp>
+      <p:sp>
+        <p:nvSpPr>
+          <p:cNvPr id="6" name="矩形 5">
+            <a:extLst>
+              <a:ext uri="{FF2B5EF4-FFF2-40B4-BE49-F238E27FC236}">
+                <a16:creationId xmlns:a16="http://schemas.microsoft.com/office/drawing/2014/main" id="{9DFDB4E4-7A52-E04A-83D4-1A8177992156}"/>
+              </a:ext>
+            </a:extLst>
+          </p:cNvPr>
+          <p:cNvSpPr/>
+          <p:nvPr/>
+        </p:nvSpPr>
+        <p:spPr>
+          <a:xfrm>
+            <a:off x="4428424" y="1200238"/>
+            <a:ext cx="2646878" cy="461665"/>
+          </a:xfrm>
+          <a:prstGeom prst="rect">
+            <a:avLst/>
+          </a:prstGeom>
+        </p:spPr>
+        <p:txBody>
+          <a:bodyPr wrap="none">
+            <a:spAutoFit/>
+          </a:bodyPr>
+          <a:lstStyle/>
+          <a:p>
+            <a:r>
+              <a:rPr lang="zh-CN" altLang="en-US" sz="2400" b="1" dirty="0">
+                <a:solidFill>
+                  <a:srgbClr val="000000">
+                    <a:lumMod val="85000"/>
+                    <a:lumOff val="15000"/>
+                  </a:srgbClr>
+                </a:solidFill>
+                <a:latin typeface="微软雅黑"/>
+                <a:ea typeface="微软雅黑"/>
+              </a:rPr>
+              <a:t>平台差异、鲁棒性</a:t>
+            </a:r>
+          </a:p>
+        </p:txBody>
+      </p:sp>
+    </p:spTree>
+    <p:extLst>
+      <p:ext uri="{BB962C8B-B14F-4D97-AF65-F5344CB8AC3E}">
+        <p14:creationId xmlns:p14="http://schemas.microsoft.com/office/powerpoint/2010/main" val="337684489"/>
+      </p:ext>
+    </p:extLst>
+  </p:cSld>
+  <p:clrMapOvr>
+    <a:masterClrMapping/>
+  </p:clrMapOvr>
+</p:sld>
+</file>
+
+<file path=ppt/slides/slide9.xml><?xml version="1.0" encoding="utf-8"?>
+<p:sld xmlns:a="http://schemas.openxmlformats.org/drawingml/2006/main" xmlns:r="http://schemas.openxmlformats.org/officeDocument/2006/relationships" xmlns:p="http://schemas.openxmlformats.org/presentationml/2006/main">
+  <p:cSld>
+    <p:spTree>
+      <p:nvGrpSpPr>
+        <p:cNvPr id="1" name=""/>
+        <p:cNvGrpSpPr/>
+        <p:nvPr/>
+      </p:nvGrpSpPr>
+      <p:grpSpPr>
+        <a:xfrm>
+          <a:off x="0" y="0"/>
+          <a:ext cx="0" cy="0"/>
+          <a:chOff x="0" y="0"/>
+          <a:chExt cx="0" cy="0"/>
+        </a:xfrm>
+      </p:grpSpPr>
+      <p:sp>
+        <p:nvSpPr>
           <p:cNvPr id="2" name="文本占位符 1"/>
           <p:cNvSpPr>
             <a:spLocks noGrp="1"/>
@@ -32718,1298 +35368,6 @@
     <mc:Fallback xmlns="">
       <p:transition spd="slow">
         <p:blinds dir="vert"/>
-      </p:transition>
-    </mc:Fallback>
-  </mc:AlternateContent>
-</p:sld>
-</file>
-
-<file path=ppt/slides/slide9.xml><?xml version="1.0" encoding="utf-8"?>
-<p:sld xmlns:a="http://schemas.openxmlformats.org/drawingml/2006/main" xmlns:r="http://schemas.openxmlformats.org/officeDocument/2006/relationships" xmlns:p="http://schemas.openxmlformats.org/presentationml/2006/main">
-  <p:cSld>
-    <p:spTree>
-      <p:nvGrpSpPr>
-        <p:cNvPr id="1" name=""/>
-        <p:cNvGrpSpPr/>
-        <p:nvPr/>
-      </p:nvGrpSpPr>
-      <p:grpSpPr>
-        <a:xfrm>
-          <a:off x="0" y="0"/>
-          <a:ext cx="0" cy="0"/>
-          <a:chOff x="0" y="0"/>
-          <a:chExt cx="0" cy="0"/>
-        </a:xfrm>
-      </p:grpSpPr>
-      <p:sp>
-        <p:nvSpPr>
-          <p:cNvPr id="2" name="文本占位符 1"/>
-          <p:cNvSpPr>
-            <a:spLocks noGrp="1"/>
-          </p:cNvSpPr>
-          <p:nvPr>
-            <p:ph type="body" sz="quarter" idx="10"/>
-          </p:nvPr>
-        </p:nvSpPr>
-        <p:spPr/>
-        <p:txBody>
-          <a:bodyPr/>
-          <a:lstStyle/>
-          <a:p>
-            <a:r>
-              <a:rPr kumimoji="1" lang="en-US" altLang="zh-CN" dirty="0"/>
-              <a:t>03</a:t>
-            </a:r>
-            <a:endParaRPr kumimoji="1" lang="zh-CN" altLang="en-US" dirty="0"/>
-          </a:p>
-        </p:txBody>
-      </p:sp>
-      <p:sp>
-        <p:nvSpPr>
-          <p:cNvPr id="3" name="文本占位符 2"/>
-          <p:cNvSpPr>
-            <a:spLocks noGrp="1"/>
-          </p:cNvSpPr>
-          <p:nvPr>
-            <p:ph type="body" sz="quarter" idx="11"/>
-          </p:nvPr>
-        </p:nvSpPr>
-        <p:spPr/>
-        <p:txBody>
-          <a:bodyPr/>
-          <a:lstStyle/>
-          <a:p>
-            <a:r>
-              <a:rPr kumimoji="1" lang="en-US" altLang="zh-CN" dirty="0"/>
-              <a:t>PART</a:t>
-            </a:r>
-            <a:r>
-              <a:rPr kumimoji="1" lang="zh-CN" altLang="en-US" dirty="0"/>
-              <a:t> </a:t>
-            </a:r>
-            <a:r>
-              <a:rPr kumimoji="1" lang="en-US" altLang="zh-CN" dirty="0"/>
-              <a:t>THREE</a:t>
-            </a:r>
-            <a:endParaRPr kumimoji="1" lang="zh-CN" altLang="en-US" dirty="0"/>
-          </a:p>
-        </p:txBody>
-      </p:sp>
-      <p:sp>
-        <p:nvSpPr>
-          <p:cNvPr id="4" name="文本占位符 3"/>
-          <p:cNvSpPr>
-            <a:spLocks noGrp="1"/>
-          </p:cNvSpPr>
-          <p:nvPr>
-            <p:ph type="body" sz="quarter" idx="12"/>
-          </p:nvPr>
-        </p:nvSpPr>
-        <p:spPr/>
-        <p:txBody>
-          <a:bodyPr/>
-          <a:lstStyle/>
-          <a:p>
-            <a:r>
-              <a:rPr kumimoji="1" lang="zh-CN" altLang="en-US" dirty="0"/>
-              <a:t>工作思考</a:t>
-            </a:r>
-          </a:p>
-        </p:txBody>
-      </p:sp>
-      <p:sp>
-        <p:nvSpPr>
-          <p:cNvPr id="20" name="燕尾形 19"/>
-          <p:cNvSpPr/>
-          <p:nvPr/>
-        </p:nvSpPr>
-        <p:spPr>
-          <a:xfrm>
-            <a:off x="2879619" y="1757360"/>
-            <a:ext cx="812269" cy="1965613"/>
-          </a:xfrm>
-          <a:prstGeom prst="chevron">
-            <a:avLst>
-              <a:gd name="adj" fmla="val 65810"/>
-            </a:avLst>
-          </a:prstGeom>
-          <a:solidFill>
-            <a:schemeClr val="bg1">
-              <a:lumMod val="75000"/>
-            </a:schemeClr>
-          </a:solidFill>
-          <a:ln w="25400" cap="flat" cmpd="sng" algn="ctr">
-            <a:noFill/>
-            <a:prstDash val="solid"/>
-          </a:ln>
-          <a:effectLst/>
-        </p:spPr>
-        <p:txBody>
-          <a:bodyPr rtlCol="0" anchor="ctr"/>
-          <a:lstStyle/>
-          <a:p>
-            <a:pPr algn="ctr" defTabSz="457200">
-              <a:defRPr/>
-            </a:pPr>
-            <a:endParaRPr lang="zh-CN" altLang="en-US" kern="0">
-              <a:solidFill>
-                <a:srgbClr val="000000">
-                  <a:lumMod val="85000"/>
-                  <a:lumOff val="15000"/>
-                </a:srgbClr>
-              </a:solidFill>
-              <a:latin typeface="Arial"/>
-              <a:ea typeface="微软雅黑"/>
-            </a:endParaRPr>
-          </a:p>
-        </p:txBody>
-      </p:sp>
-      <p:sp>
-        <p:nvSpPr>
-          <p:cNvPr id="21" name="矩形 31"/>
-          <p:cNvSpPr/>
-          <p:nvPr/>
-        </p:nvSpPr>
-        <p:spPr>
-          <a:xfrm>
-            <a:off x="3066990" y="2381374"/>
-            <a:ext cx="717570" cy="717569"/>
-          </a:xfrm>
-          <a:prstGeom prst="ellipse">
-            <a:avLst/>
-          </a:prstGeom>
-          <a:solidFill>
-            <a:schemeClr val="bg1">
-              <a:lumMod val="95000"/>
-            </a:schemeClr>
-          </a:solidFill>
-          <a:ln w="25400" cap="flat" cmpd="sng" algn="ctr">
-            <a:solidFill>
-              <a:schemeClr val="accent1"/>
-            </a:solidFill>
-            <a:prstDash val="solid"/>
-          </a:ln>
-          <a:effectLst/>
-        </p:spPr>
-        <p:txBody>
-          <a:bodyPr rtlCol="0" anchor="ctr"/>
-          <a:lstStyle/>
-          <a:p>
-            <a:pPr algn="ctr" defTabSz="457200">
-              <a:defRPr/>
-            </a:pPr>
-            <a:r>
-              <a:rPr lang="en-US" altLang="zh-CN" sz="2400" b="1" kern="0" dirty="0">
-                <a:solidFill>
-                  <a:srgbClr val="000000">
-                    <a:lumMod val="85000"/>
-                    <a:lumOff val="15000"/>
-                  </a:srgbClr>
-                </a:solidFill>
-                <a:latin typeface="微软雅黑"/>
-                <a:ea typeface="微软雅黑"/>
-              </a:rPr>
-              <a:t>1</a:t>
-            </a:r>
-            <a:endParaRPr lang="zh-CN" altLang="en-US" sz="2400" b="1" kern="0" dirty="0">
-              <a:solidFill>
-                <a:srgbClr val="000000">
-                  <a:lumMod val="85000"/>
-                  <a:lumOff val="15000"/>
-                </a:srgbClr>
-              </a:solidFill>
-              <a:latin typeface="微软雅黑"/>
-              <a:ea typeface="微软雅黑"/>
-            </a:endParaRPr>
-          </a:p>
-        </p:txBody>
-      </p:sp>
-      <p:sp>
-        <p:nvSpPr>
-          <p:cNvPr id="22" name="燕尾形 21"/>
-          <p:cNvSpPr/>
-          <p:nvPr/>
-        </p:nvSpPr>
-        <p:spPr>
-          <a:xfrm>
-            <a:off x="6308717" y="1757360"/>
-            <a:ext cx="812269" cy="1965613"/>
-          </a:xfrm>
-          <a:prstGeom prst="chevron">
-            <a:avLst>
-              <a:gd name="adj" fmla="val 65810"/>
-            </a:avLst>
-          </a:prstGeom>
-          <a:solidFill>
-            <a:schemeClr val="accent2"/>
-          </a:solidFill>
-          <a:ln w="25400" cap="flat" cmpd="sng" algn="ctr">
-            <a:noFill/>
-            <a:prstDash val="solid"/>
-          </a:ln>
-          <a:effectLst/>
-        </p:spPr>
-        <p:txBody>
-          <a:bodyPr rtlCol="0" anchor="ctr"/>
-          <a:lstStyle/>
-          <a:p>
-            <a:pPr algn="ctr" defTabSz="457200">
-              <a:defRPr/>
-            </a:pPr>
-            <a:endParaRPr lang="zh-CN" altLang="en-US" kern="0">
-              <a:solidFill>
-                <a:srgbClr val="000000">
-                  <a:lumMod val="85000"/>
-                  <a:lumOff val="15000"/>
-                </a:srgbClr>
-              </a:solidFill>
-              <a:latin typeface="Arial"/>
-              <a:ea typeface="微软雅黑"/>
-            </a:endParaRPr>
-          </a:p>
-        </p:txBody>
-      </p:sp>
-      <p:sp>
-        <p:nvSpPr>
-          <p:cNvPr id="23" name="燕尾形 22"/>
-          <p:cNvSpPr/>
-          <p:nvPr/>
-        </p:nvSpPr>
-        <p:spPr>
-          <a:xfrm>
-            <a:off x="9737816" y="1757360"/>
-            <a:ext cx="812269" cy="1965613"/>
-          </a:xfrm>
-          <a:prstGeom prst="chevron">
-            <a:avLst>
-              <a:gd name="adj" fmla="val 65810"/>
-            </a:avLst>
-          </a:prstGeom>
-          <a:solidFill>
-            <a:schemeClr val="accent1"/>
-          </a:solidFill>
-          <a:ln w="25400" cap="flat" cmpd="sng" algn="ctr">
-            <a:noFill/>
-            <a:prstDash val="solid"/>
-          </a:ln>
-          <a:effectLst/>
-        </p:spPr>
-        <p:txBody>
-          <a:bodyPr rtlCol="0" anchor="ctr"/>
-          <a:lstStyle/>
-          <a:p>
-            <a:pPr algn="ctr" defTabSz="457200">
-              <a:defRPr/>
-            </a:pPr>
-            <a:endParaRPr lang="zh-CN" altLang="en-US" kern="0">
-              <a:solidFill>
-                <a:srgbClr val="000000">
-                  <a:lumMod val="85000"/>
-                  <a:lumOff val="15000"/>
-                </a:srgbClr>
-              </a:solidFill>
-              <a:latin typeface="Arial"/>
-              <a:ea typeface="微软雅黑"/>
-            </a:endParaRPr>
-          </a:p>
-        </p:txBody>
-      </p:sp>
-      <p:sp>
-        <p:nvSpPr>
-          <p:cNvPr id="24" name="矩形 31"/>
-          <p:cNvSpPr/>
-          <p:nvPr/>
-        </p:nvSpPr>
-        <p:spPr>
-          <a:xfrm>
-            <a:off x="6568646" y="2381374"/>
-            <a:ext cx="717570" cy="717569"/>
-          </a:xfrm>
-          <a:prstGeom prst="ellipse">
-            <a:avLst/>
-          </a:prstGeom>
-          <a:solidFill>
-            <a:schemeClr val="bg1">
-              <a:lumMod val="95000"/>
-            </a:schemeClr>
-          </a:solidFill>
-          <a:ln w="25400" cap="flat" cmpd="sng" algn="ctr">
-            <a:solidFill>
-              <a:schemeClr val="accent1"/>
-            </a:solidFill>
-            <a:prstDash val="solid"/>
-          </a:ln>
-          <a:effectLst/>
-        </p:spPr>
-        <p:txBody>
-          <a:bodyPr rtlCol="0" anchor="ctr"/>
-          <a:lstStyle/>
-          <a:p>
-            <a:pPr algn="ctr" defTabSz="457200">
-              <a:defRPr/>
-            </a:pPr>
-            <a:r>
-              <a:rPr lang="en-US" altLang="zh-CN" sz="2400" b="1" kern="0" dirty="0">
-                <a:solidFill>
-                  <a:srgbClr val="000000">
-                    <a:lumMod val="85000"/>
-                    <a:lumOff val="15000"/>
-                  </a:srgbClr>
-                </a:solidFill>
-                <a:latin typeface="微软雅黑"/>
-                <a:ea typeface="微软雅黑"/>
-              </a:rPr>
-              <a:t>2</a:t>
-            </a:r>
-            <a:endParaRPr lang="zh-CN" altLang="en-US" sz="2400" b="1" kern="0" dirty="0">
-              <a:solidFill>
-                <a:srgbClr val="000000">
-                  <a:lumMod val="85000"/>
-                  <a:lumOff val="15000"/>
-                </a:srgbClr>
-              </a:solidFill>
-              <a:latin typeface="微软雅黑"/>
-              <a:ea typeface="微软雅黑"/>
-            </a:endParaRPr>
-          </a:p>
-        </p:txBody>
-      </p:sp>
-      <p:sp>
-        <p:nvSpPr>
-          <p:cNvPr id="25" name="矩形 31"/>
-          <p:cNvSpPr/>
-          <p:nvPr/>
-        </p:nvSpPr>
-        <p:spPr>
-          <a:xfrm>
-            <a:off x="9963977" y="2381374"/>
-            <a:ext cx="717570" cy="717569"/>
-          </a:xfrm>
-          <a:prstGeom prst="ellipse">
-            <a:avLst/>
-          </a:prstGeom>
-          <a:solidFill>
-            <a:schemeClr val="bg1">
-              <a:lumMod val="95000"/>
-            </a:schemeClr>
-          </a:solidFill>
-          <a:ln w="25400" cap="flat" cmpd="sng" algn="ctr">
-            <a:solidFill>
-              <a:schemeClr val="accent1"/>
-            </a:solidFill>
-            <a:prstDash val="solid"/>
-          </a:ln>
-          <a:effectLst/>
-        </p:spPr>
-        <p:txBody>
-          <a:bodyPr rtlCol="0" anchor="ctr"/>
-          <a:lstStyle/>
-          <a:p>
-            <a:pPr algn="ctr" defTabSz="457200">
-              <a:defRPr/>
-            </a:pPr>
-            <a:r>
-              <a:rPr lang="en-US" altLang="zh-CN" sz="2400" b="1" kern="0" dirty="0">
-                <a:solidFill>
-                  <a:srgbClr val="000000">
-                    <a:lumMod val="85000"/>
-                    <a:lumOff val="15000"/>
-                  </a:srgbClr>
-                </a:solidFill>
-                <a:latin typeface="微软雅黑"/>
-                <a:ea typeface="微软雅黑"/>
-              </a:rPr>
-              <a:t>3</a:t>
-            </a:r>
-            <a:endParaRPr lang="zh-CN" altLang="en-US" sz="2400" b="1" kern="0" dirty="0">
-              <a:solidFill>
-                <a:srgbClr val="000000">
-                  <a:lumMod val="85000"/>
-                  <a:lumOff val="15000"/>
-                </a:srgbClr>
-              </a:solidFill>
-              <a:latin typeface="微软雅黑"/>
-              <a:ea typeface="微软雅黑"/>
-            </a:endParaRPr>
-          </a:p>
-        </p:txBody>
-      </p:sp>
-      <p:sp>
-        <p:nvSpPr>
-          <p:cNvPr id="26" name="矩形 25"/>
-          <p:cNvSpPr/>
-          <p:nvPr/>
-        </p:nvSpPr>
-        <p:spPr>
-          <a:xfrm>
-            <a:off x="532745" y="1981264"/>
-            <a:ext cx="697627" cy="400110"/>
-          </a:xfrm>
-          <a:prstGeom prst="rect">
-            <a:avLst/>
-          </a:prstGeom>
-        </p:spPr>
-        <p:txBody>
-          <a:bodyPr wrap="none">
-            <a:spAutoFit/>
-          </a:bodyPr>
-          <a:lstStyle/>
-          <a:p>
-            <a:r>
-              <a:rPr lang="zh-CN" altLang="en-US" sz="2000" b="1" dirty="0">
-                <a:solidFill>
-                  <a:srgbClr val="000000">
-                    <a:lumMod val="85000"/>
-                    <a:lumOff val="15000"/>
-                  </a:srgbClr>
-                </a:solidFill>
-                <a:latin typeface="微软雅黑"/>
-                <a:ea typeface="微软雅黑"/>
-              </a:rPr>
-              <a:t>调研</a:t>
-            </a:r>
-          </a:p>
-        </p:txBody>
-      </p:sp>
-      <p:sp>
-        <p:nvSpPr>
-          <p:cNvPr id="27" name="矩形 26"/>
-          <p:cNvSpPr/>
-          <p:nvPr/>
-        </p:nvSpPr>
-        <p:spPr>
-          <a:xfrm>
-            <a:off x="521629" y="2381374"/>
-            <a:ext cx="2147605" cy="1122102"/>
-          </a:xfrm>
-          <a:prstGeom prst="rect">
-            <a:avLst/>
-          </a:prstGeom>
-        </p:spPr>
-        <p:txBody>
-          <a:bodyPr wrap="square">
-            <a:spAutoFit/>
-          </a:bodyPr>
-          <a:lstStyle/>
-          <a:p>
-            <a:pPr>
-              <a:lnSpc>
-                <a:spcPct val="130000"/>
-              </a:lnSpc>
-            </a:pPr>
-            <a:r>
-              <a:rPr lang="zh-CN" altLang="en-US" sz="1050" dirty="0">
-                <a:solidFill>
-                  <a:srgbClr val="000000">
-                    <a:lumMod val="85000"/>
-                    <a:lumOff val="15000"/>
-                  </a:srgbClr>
-                </a:solidFill>
-                <a:latin typeface="微软雅黑" charset="0"/>
-                <a:ea typeface="微软雅黑" charset="0"/>
-              </a:rPr>
-              <a:t>列举项目需求</a:t>
-            </a:r>
-            <a:endParaRPr lang="en-US" altLang="zh-CN" sz="1050" dirty="0">
-              <a:solidFill>
-                <a:srgbClr val="000000">
-                  <a:lumMod val="85000"/>
-                  <a:lumOff val="15000"/>
-                </a:srgbClr>
-              </a:solidFill>
-              <a:latin typeface="微软雅黑" charset="0"/>
-              <a:ea typeface="微软雅黑" charset="0"/>
-            </a:endParaRPr>
-          </a:p>
-          <a:p>
-            <a:pPr>
-              <a:lnSpc>
-                <a:spcPct val="130000"/>
-              </a:lnSpc>
-            </a:pPr>
-            <a:r>
-              <a:rPr lang="zh-CN" altLang="en-US" sz="1050" dirty="0">
-                <a:solidFill>
-                  <a:srgbClr val="000000">
-                    <a:lumMod val="85000"/>
-                    <a:lumOff val="15000"/>
-                  </a:srgbClr>
-                </a:solidFill>
-                <a:latin typeface="微软雅黑" charset="0"/>
-                <a:ea typeface="微软雅黑" charset="0"/>
-              </a:rPr>
-              <a:t>模块化分类分工</a:t>
-            </a:r>
-            <a:endParaRPr lang="en-US" altLang="zh-CN" sz="1050" dirty="0">
-              <a:solidFill>
-                <a:srgbClr val="000000">
-                  <a:lumMod val="85000"/>
-                  <a:lumOff val="15000"/>
-                </a:srgbClr>
-              </a:solidFill>
-              <a:latin typeface="微软雅黑" charset="0"/>
-              <a:ea typeface="微软雅黑" charset="0"/>
-            </a:endParaRPr>
-          </a:p>
-          <a:p>
-            <a:pPr>
-              <a:lnSpc>
-                <a:spcPct val="130000"/>
-              </a:lnSpc>
-            </a:pPr>
-            <a:r>
-              <a:rPr lang="zh-CN" altLang="en-US" sz="1050" dirty="0">
-                <a:solidFill>
-                  <a:srgbClr val="000000">
-                    <a:lumMod val="85000"/>
-                    <a:lumOff val="15000"/>
-                  </a:srgbClr>
-                </a:solidFill>
-                <a:latin typeface="微软雅黑" charset="0"/>
-                <a:ea typeface="微软雅黑" charset="0"/>
-              </a:rPr>
-              <a:t>针对需求寻找优化的解决方案</a:t>
-            </a:r>
-            <a:endParaRPr lang="en-US" altLang="zh-CN" sz="1050" dirty="0">
-              <a:solidFill>
-                <a:srgbClr val="000000">
-                  <a:lumMod val="85000"/>
-                  <a:lumOff val="15000"/>
-                </a:srgbClr>
-              </a:solidFill>
-              <a:latin typeface="微软雅黑" charset="0"/>
-              <a:ea typeface="微软雅黑" charset="0"/>
-            </a:endParaRPr>
-          </a:p>
-          <a:p>
-            <a:pPr>
-              <a:lnSpc>
-                <a:spcPct val="130000"/>
-              </a:lnSpc>
-            </a:pPr>
-            <a:r>
-              <a:rPr lang="zh-CN" altLang="en-US" sz="1050" dirty="0">
-                <a:solidFill>
-                  <a:srgbClr val="000000">
-                    <a:lumMod val="85000"/>
-                    <a:lumOff val="15000"/>
-                  </a:srgbClr>
-                </a:solidFill>
-                <a:latin typeface="微软雅黑" charset="0"/>
-                <a:ea typeface="微软雅黑" charset="0"/>
-              </a:rPr>
-              <a:t>做实验，做对比</a:t>
-            </a:r>
-            <a:endParaRPr lang="en-US" altLang="zh-CN" sz="1050" dirty="0">
-              <a:solidFill>
-                <a:srgbClr val="000000">
-                  <a:lumMod val="85000"/>
-                  <a:lumOff val="15000"/>
-                </a:srgbClr>
-              </a:solidFill>
-              <a:latin typeface="微软雅黑" charset="0"/>
-              <a:ea typeface="微软雅黑" charset="0"/>
-            </a:endParaRPr>
-          </a:p>
-          <a:p>
-            <a:pPr>
-              <a:lnSpc>
-                <a:spcPct val="130000"/>
-              </a:lnSpc>
-            </a:pPr>
-            <a:r>
-              <a:rPr lang="zh-CN" altLang="en-US" sz="1050" b="1" dirty="0">
-                <a:solidFill>
-                  <a:srgbClr val="000000">
-                    <a:lumMod val="85000"/>
-                    <a:lumOff val="15000"/>
-                  </a:srgbClr>
-                </a:solidFill>
-                <a:latin typeface="微软雅黑" charset="0"/>
-                <a:ea typeface="微软雅黑" charset="0"/>
-              </a:rPr>
-              <a:t>调研工期不应被压缩</a:t>
-            </a:r>
-            <a:endParaRPr lang="zh-CN" altLang="en-US" sz="1050" b="1" dirty="0">
-              <a:solidFill>
-                <a:srgbClr val="000000">
-                  <a:lumMod val="85000"/>
-                  <a:lumOff val="15000"/>
-                </a:srgbClr>
-              </a:solidFill>
-              <a:latin typeface="微软雅黑"/>
-              <a:ea typeface="微软雅黑"/>
-            </a:endParaRPr>
-          </a:p>
-        </p:txBody>
-      </p:sp>
-      <p:sp>
-        <p:nvSpPr>
-          <p:cNvPr id="28" name="矩形 27"/>
-          <p:cNvSpPr/>
-          <p:nvPr/>
-        </p:nvSpPr>
-        <p:spPr>
-          <a:xfrm>
-            <a:off x="3984782" y="1981264"/>
-            <a:ext cx="697627" cy="400110"/>
-          </a:xfrm>
-          <a:prstGeom prst="rect">
-            <a:avLst/>
-          </a:prstGeom>
-        </p:spPr>
-        <p:txBody>
-          <a:bodyPr wrap="none">
-            <a:spAutoFit/>
-          </a:bodyPr>
-          <a:lstStyle/>
-          <a:p>
-            <a:r>
-              <a:rPr lang="zh-CN" altLang="en-US" sz="2000" b="1" dirty="0">
-                <a:solidFill>
-                  <a:srgbClr val="000000">
-                    <a:lumMod val="85000"/>
-                    <a:lumOff val="15000"/>
-                  </a:srgbClr>
-                </a:solidFill>
-                <a:latin typeface="微软雅黑"/>
-                <a:ea typeface="微软雅黑"/>
-              </a:rPr>
-              <a:t>开发</a:t>
-            </a:r>
-          </a:p>
-        </p:txBody>
-      </p:sp>
-      <p:sp>
-        <p:nvSpPr>
-          <p:cNvPr id="29" name="矩形 28"/>
-          <p:cNvSpPr/>
-          <p:nvPr/>
-        </p:nvSpPr>
-        <p:spPr>
-          <a:xfrm>
-            <a:off x="3973666" y="2381374"/>
-            <a:ext cx="2147605" cy="701987"/>
-          </a:xfrm>
-          <a:prstGeom prst="rect">
-            <a:avLst/>
-          </a:prstGeom>
-        </p:spPr>
-        <p:txBody>
-          <a:bodyPr wrap="square">
-            <a:spAutoFit/>
-          </a:bodyPr>
-          <a:lstStyle/>
-          <a:p>
-            <a:pPr>
-              <a:lnSpc>
-                <a:spcPct val="130000"/>
-              </a:lnSpc>
-            </a:pPr>
-            <a:r>
-              <a:rPr lang="zh-CN" altLang="en-US" sz="1050" dirty="0">
-                <a:solidFill>
-                  <a:srgbClr val="000000">
-                    <a:lumMod val="85000"/>
-                    <a:lumOff val="15000"/>
-                  </a:srgbClr>
-                </a:solidFill>
-                <a:latin typeface="微软雅黑" charset="0"/>
-                <a:ea typeface="微软雅黑" charset="0"/>
-              </a:rPr>
-              <a:t>根据调研结果分工开发</a:t>
-            </a:r>
-            <a:endParaRPr lang="en-US" altLang="zh-CN" sz="1050" dirty="0">
-              <a:solidFill>
-                <a:srgbClr val="000000">
-                  <a:lumMod val="85000"/>
-                  <a:lumOff val="15000"/>
-                </a:srgbClr>
-              </a:solidFill>
-              <a:latin typeface="微软雅黑" charset="0"/>
-              <a:ea typeface="微软雅黑" charset="0"/>
-            </a:endParaRPr>
-          </a:p>
-          <a:p>
-            <a:pPr>
-              <a:lnSpc>
-                <a:spcPct val="130000"/>
-              </a:lnSpc>
-            </a:pPr>
-            <a:r>
-              <a:rPr lang="zh-CN" altLang="en-US" sz="1050" dirty="0">
-                <a:solidFill>
-                  <a:srgbClr val="000000">
-                    <a:lumMod val="85000"/>
-                    <a:lumOff val="15000"/>
-                  </a:srgbClr>
-                </a:solidFill>
-                <a:latin typeface="微软雅黑" charset="0"/>
-                <a:ea typeface="微软雅黑" charset="0"/>
-              </a:rPr>
-              <a:t>低耦合！</a:t>
-            </a:r>
-            <a:r>
-              <a:rPr lang="zh-CN" altLang="en-US" sz="1050" dirty="0">
-                <a:solidFill>
-                  <a:srgbClr val="000000">
-                    <a:lumMod val="85000"/>
-                    <a:lumOff val="15000"/>
-                  </a:srgbClr>
-                </a:solidFill>
-                <a:latin typeface="微软雅黑"/>
-                <a:ea typeface="微软雅黑"/>
-              </a:rPr>
-              <a:t>可复用！</a:t>
-            </a:r>
-            <a:endParaRPr lang="en-US" altLang="zh-CN" sz="1050" dirty="0">
-              <a:solidFill>
-                <a:srgbClr val="000000">
-                  <a:lumMod val="85000"/>
-                  <a:lumOff val="15000"/>
-                </a:srgbClr>
-              </a:solidFill>
-              <a:latin typeface="微软雅黑"/>
-              <a:ea typeface="微软雅黑"/>
-            </a:endParaRPr>
-          </a:p>
-          <a:p>
-            <a:pPr>
-              <a:lnSpc>
-                <a:spcPct val="130000"/>
-              </a:lnSpc>
-            </a:pPr>
-            <a:r>
-              <a:rPr lang="zh-CN" altLang="en-US" sz="1050" dirty="0">
-                <a:solidFill>
-                  <a:srgbClr val="000000">
-                    <a:lumMod val="85000"/>
-                    <a:lumOff val="15000"/>
-                  </a:srgbClr>
-                </a:solidFill>
-                <a:latin typeface="微软雅黑" charset="0"/>
-                <a:ea typeface="微软雅黑" charset="0"/>
-              </a:rPr>
-              <a:t>细粒度提交</a:t>
-            </a:r>
-            <a:endParaRPr lang="en-US" altLang="zh-CN" sz="1050" dirty="0">
-              <a:solidFill>
-                <a:srgbClr val="000000">
-                  <a:lumMod val="85000"/>
-                  <a:lumOff val="15000"/>
-                </a:srgbClr>
-              </a:solidFill>
-              <a:latin typeface="微软雅黑" charset="0"/>
-              <a:ea typeface="微软雅黑" charset="0"/>
-            </a:endParaRPr>
-          </a:p>
-        </p:txBody>
-      </p:sp>
-      <p:sp>
-        <p:nvSpPr>
-          <p:cNvPr id="30" name="矩形 29"/>
-          <p:cNvSpPr/>
-          <p:nvPr/>
-        </p:nvSpPr>
-        <p:spPr>
-          <a:xfrm>
-            <a:off x="7557321" y="1981264"/>
-            <a:ext cx="697627" cy="400110"/>
-          </a:xfrm>
-          <a:prstGeom prst="rect">
-            <a:avLst/>
-          </a:prstGeom>
-        </p:spPr>
-        <p:txBody>
-          <a:bodyPr wrap="none">
-            <a:spAutoFit/>
-          </a:bodyPr>
-          <a:lstStyle/>
-          <a:p>
-            <a:r>
-              <a:rPr lang="zh-CN" altLang="en-US" sz="2000" b="1" dirty="0">
-                <a:solidFill>
-                  <a:srgbClr val="000000">
-                    <a:lumMod val="85000"/>
-                    <a:lumOff val="15000"/>
-                  </a:srgbClr>
-                </a:solidFill>
-                <a:latin typeface="微软雅黑"/>
-                <a:ea typeface="微软雅黑"/>
-              </a:rPr>
-              <a:t>自测</a:t>
-            </a:r>
-          </a:p>
-        </p:txBody>
-      </p:sp>
-      <p:sp>
-        <p:nvSpPr>
-          <p:cNvPr id="31" name="矩形 30"/>
-          <p:cNvSpPr/>
-          <p:nvPr/>
-        </p:nvSpPr>
-        <p:spPr>
-          <a:xfrm>
-            <a:off x="7546205" y="2381374"/>
-            <a:ext cx="2147605" cy="701987"/>
-          </a:xfrm>
-          <a:prstGeom prst="rect">
-            <a:avLst/>
-          </a:prstGeom>
-        </p:spPr>
-        <p:txBody>
-          <a:bodyPr wrap="square">
-            <a:spAutoFit/>
-          </a:bodyPr>
-          <a:lstStyle/>
-          <a:p>
-            <a:pPr>
-              <a:lnSpc>
-                <a:spcPct val="130000"/>
-              </a:lnSpc>
-            </a:pPr>
-            <a:r>
-              <a:rPr lang="zh-CN" altLang="en-US" sz="1050" dirty="0">
-                <a:solidFill>
-                  <a:srgbClr val="000000">
-                    <a:lumMod val="85000"/>
-                    <a:lumOff val="15000"/>
-                  </a:srgbClr>
-                </a:solidFill>
-                <a:latin typeface="微软雅黑" charset="0"/>
-                <a:ea typeface="微软雅黑" charset="0"/>
-              </a:rPr>
-              <a:t>编译问题</a:t>
-            </a:r>
-            <a:endParaRPr lang="en-US" altLang="zh-CN" sz="1050" dirty="0">
-              <a:solidFill>
-                <a:srgbClr val="000000">
-                  <a:lumMod val="85000"/>
-                  <a:lumOff val="15000"/>
-                </a:srgbClr>
-              </a:solidFill>
-              <a:latin typeface="微软雅黑" charset="0"/>
-              <a:ea typeface="微软雅黑" charset="0"/>
-            </a:endParaRPr>
-          </a:p>
-          <a:p>
-            <a:pPr>
-              <a:lnSpc>
-                <a:spcPct val="130000"/>
-              </a:lnSpc>
-            </a:pPr>
-            <a:r>
-              <a:rPr lang="zh-CN" altLang="en-US" sz="1050" dirty="0">
-                <a:solidFill>
-                  <a:srgbClr val="000000">
-                    <a:lumMod val="85000"/>
-                    <a:lumOff val="15000"/>
-                  </a:srgbClr>
-                </a:solidFill>
-                <a:latin typeface="微软雅黑" charset="0"/>
-                <a:ea typeface="微软雅黑" charset="0"/>
-              </a:rPr>
-              <a:t>链接问题</a:t>
-            </a:r>
-            <a:endParaRPr lang="en-US" altLang="zh-CN" sz="1050" dirty="0">
-              <a:solidFill>
-                <a:srgbClr val="000000">
-                  <a:lumMod val="85000"/>
-                  <a:lumOff val="15000"/>
-                </a:srgbClr>
-              </a:solidFill>
-              <a:latin typeface="微软雅黑" charset="0"/>
-              <a:ea typeface="微软雅黑" charset="0"/>
-            </a:endParaRPr>
-          </a:p>
-          <a:p>
-            <a:pPr>
-              <a:lnSpc>
-                <a:spcPct val="130000"/>
-              </a:lnSpc>
-            </a:pPr>
-            <a:r>
-              <a:rPr lang="zh-CN" altLang="en-US" sz="1050" dirty="0">
-                <a:solidFill>
-                  <a:srgbClr val="000000">
-                    <a:lumMod val="85000"/>
-                    <a:lumOff val="15000"/>
-                  </a:srgbClr>
-                </a:solidFill>
-                <a:latin typeface="微软雅黑" charset="0"/>
-                <a:ea typeface="微软雅黑" charset="0"/>
-              </a:rPr>
-              <a:t>逻辑问题</a:t>
-            </a:r>
-            <a:endParaRPr lang="zh-CN" altLang="en-US" sz="1050" dirty="0">
-              <a:solidFill>
-                <a:srgbClr val="000000">
-                  <a:lumMod val="85000"/>
-                  <a:lumOff val="15000"/>
-                </a:srgbClr>
-              </a:solidFill>
-              <a:latin typeface="微软雅黑"/>
-              <a:ea typeface="微软雅黑"/>
-            </a:endParaRPr>
-          </a:p>
-        </p:txBody>
-      </p:sp>
-      <p:sp>
-        <p:nvSpPr>
-          <p:cNvPr id="32" name="矩形 31"/>
-          <p:cNvSpPr/>
-          <p:nvPr/>
-        </p:nvSpPr>
-        <p:spPr>
-          <a:xfrm>
-            <a:off x="561620" y="4561255"/>
-            <a:ext cx="4493538" cy="461665"/>
-          </a:xfrm>
-          <a:prstGeom prst="rect">
-            <a:avLst/>
-          </a:prstGeom>
-        </p:spPr>
-        <p:txBody>
-          <a:bodyPr wrap="none">
-            <a:spAutoFit/>
-          </a:bodyPr>
-          <a:lstStyle/>
-          <a:p>
-            <a:r>
-              <a:rPr lang="zh-CN" altLang="en-US" sz="2400" b="1" dirty="0">
-                <a:solidFill>
-                  <a:srgbClr val="000000">
-                    <a:lumMod val="85000"/>
-                    <a:lumOff val="15000"/>
-                  </a:srgbClr>
-                </a:solidFill>
-                <a:latin typeface="微软雅黑"/>
-                <a:ea typeface="微软雅黑"/>
-              </a:rPr>
-              <a:t>工作流程：常被忽略的调研步骤</a:t>
-            </a:r>
-          </a:p>
-        </p:txBody>
-      </p:sp>
-      <p:sp>
-        <p:nvSpPr>
-          <p:cNvPr id="33" name="矩形 32"/>
-          <p:cNvSpPr/>
-          <p:nvPr/>
-        </p:nvSpPr>
-        <p:spPr>
-          <a:xfrm>
-            <a:off x="550505" y="5012239"/>
-            <a:ext cx="7240137" cy="670120"/>
-          </a:xfrm>
-          <a:prstGeom prst="rect">
-            <a:avLst/>
-          </a:prstGeom>
-        </p:spPr>
-        <p:txBody>
-          <a:bodyPr wrap="square">
-            <a:spAutoFit/>
-          </a:bodyPr>
-          <a:lstStyle/>
-          <a:p>
-            <a:pPr algn="just">
-              <a:lnSpc>
-                <a:spcPct val="130000"/>
-              </a:lnSpc>
-            </a:pPr>
-            <a:r>
-              <a:rPr lang="zh-CN" altLang="en-US" sz="3200" dirty="0">
-                <a:solidFill>
-                  <a:srgbClr val="000000">
-                    <a:lumMod val="85000"/>
-                    <a:lumOff val="15000"/>
-                  </a:srgbClr>
-                </a:solidFill>
-                <a:latin typeface="微软雅黑" charset="0"/>
-                <a:ea typeface="微软雅黑" charset="0"/>
-              </a:rPr>
-              <a:t>以日志库重构项目为例</a:t>
-            </a:r>
-            <a:endParaRPr lang="zh-CN" altLang="en-US" sz="3200" dirty="0">
-              <a:solidFill>
-                <a:srgbClr val="000000">
-                  <a:lumMod val="85000"/>
-                  <a:lumOff val="15000"/>
-                </a:srgbClr>
-              </a:solidFill>
-              <a:latin typeface="微软雅黑"/>
-              <a:ea typeface="微软雅黑"/>
-            </a:endParaRPr>
-          </a:p>
-        </p:txBody>
-      </p:sp>
-      <p:sp>
-        <p:nvSpPr>
-          <p:cNvPr id="34" name="矩形 33"/>
-          <p:cNvSpPr/>
-          <p:nvPr/>
-        </p:nvSpPr>
-        <p:spPr>
-          <a:xfrm>
-            <a:off x="400350" y="4322972"/>
-            <a:ext cx="7964004" cy="1772093"/>
-          </a:xfrm>
-          <a:prstGeom prst="rect">
-            <a:avLst/>
-          </a:prstGeom>
-          <a:noFill/>
-          <a:ln w="76200" cap="flat" cmpd="sng" algn="ctr">
-            <a:solidFill>
-              <a:schemeClr val="accent1"/>
-            </a:solidFill>
-            <a:prstDash val="solid"/>
-            <a:miter lim="800000"/>
-          </a:ln>
-          <a:effectLst/>
-        </p:spPr>
-        <p:txBody>
-          <a:bodyPr rtlCol="0" anchor="ctr"/>
-          <a:lstStyle/>
-          <a:p>
-            <a:pPr algn="ctr" defTabSz="914400">
-              <a:defRPr/>
-            </a:pPr>
-            <a:endParaRPr lang="zh-CN" altLang="en-US" kern="0">
-              <a:solidFill>
-                <a:srgbClr val="000000">
-                  <a:lumMod val="85000"/>
-                  <a:lumOff val="15000"/>
-                </a:srgbClr>
-              </a:solidFill>
-              <a:latin typeface="微软雅黑"/>
-              <a:ea typeface="微软雅黑"/>
-            </a:endParaRPr>
-          </a:p>
-        </p:txBody>
-      </p:sp>
-      <p:sp>
-        <p:nvSpPr>
-          <p:cNvPr id="35" name="矩形 34">
-            <a:extLst>
-              <a:ext uri="{FF2B5EF4-FFF2-40B4-BE49-F238E27FC236}">
-                <a16:creationId xmlns:a16="http://schemas.microsoft.com/office/drawing/2014/main" id="{D36CDFC8-0761-464B-ADA6-118819E75A0C}"/>
-              </a:ext>
-            </a:extLst>
-          </p:cNvPr>
-          <p:cNvSpPr/>
-          <p:nvPr/>
-        </p:nvSpPr>
-        <p:spPr>
-          <a:xfrm>
-            <a:off x="10871778" y="1996846"/>
-            <a:ext cx="697627" cy="400110"/>
-          </a:xfrm>
-          <a:prstGeom prst="rect">
-            <a:avLst/>
-          </a:prstGeom>
-        </p:spPr>
-        <p:txBody>
-          <a:bodyPr wrap="none">
-            <a:spAutoFit/>
-          </a:bodyPr>
-          <a:lstStyle/>
-          <a:p>
-            <a:r>
-              <a:rPr lang="zh-CN" altLang="en-US" sz="2000" b="1" dirty="0">
-                <a:solidFill>
-                  <a:srgbClr val="000000">
-                    <a:lumMod val="85000"/>
-                    <a:lumOff val="15000"/>
-                  </a:srgbClr>
-                </a:solidFill>
-                <a:latin typeface="微软雅黑"/>
-                <a:ea typeface="微软雅黑"/>
-              </a:rPr>
-              <a:t>对接</a:t>
-            </a:r>
-          </a:p>
-        </p:txBody>
-      </p:sp>
-      <p:sp>
-        <p:nvSpPr>
-          <p:cNvPr id="36" name="矩形 35">
-            <a:extLst>
-              <a:ext uri="{FF2B5EF4-FFF2-40B4-BE49-F238E27FC236}">
-                <a16:creationId xmlns:a16="http://schemas.microsoft.com/office/drawing/2014/main" id="{370531AE-12FC-3045-8B47-9C1097B1CF1E}"/>
-              </a:ext>
-            </a:extLst>
-          </p:cNvPr>
-          <p:cNvSpPr/>
-          <p:nvPr/>
-        </p:nvSpPr>
-        <p:spPr>
-          <a:xfrm>
-            <a:off x="10952098" y="2396956"/>
-            <a:ext cx="2147605" cy="701987"/>
-          </a:xfrm>
-          <a:prstGeom prst="rect">
-            <a:avLst/>
-          </a:prstGeom>
-        </p:spPr>
-        <p:txBody>
-          <a:bodyPr wrap="square">
-            <a:spAutoFit/>
-          </a:bodyPr>
-          <a:lstStyle/>
-          <a:p>
-            <a:pPr>
-              <a:lnSpc>
-                <a:spcPct val="130000"/>
-              </a:lnSpc>
-            </a:pPr>
-            <a:r>
-              <a:rPr lang="zh-CN" altLang="en-US" sz="1050" dirty="0">
-                <a:solidFill>
-                  <a:srgbClr val="000000">
-                    <a:lumMod val="85000"/>
-                    <a:lumOff val="15000"/>
-                  </a:srgbClr>
-                </a:solidFill>
-                <a:latin typeface="微软雅黑" charset="0"/>
-                <a:ea typeface="微软雅黑" charset="0"/>
-              </a:rPr>
-              <a:t>产品</a:t>
-            </a:r>
-            <a:endParaRPr lang="en-US" altLang="zh-CN" sz="1050" dirty="0">
-              <a:solidFill>
-                <a:srgbClr val="000000">
-                  <a:lumMod val="85000"/>
-                  <a:lumOff val="15000"/>
-                </a:srgbClr>
-              </a:solidFill>
-              <a:latin typeface="微软雅黑" charset="0"/>
-              <a:ea typeface="微软雅黑" charset="0"/>
-            </a:endParaRPr>
-          </a:p>
-          <a:p>
-            <a:pPr>
-              <a:lnSpc>
-                <a:spcPct val="130000"/>
-              </a:lnSpc>
-            </a:pPr>
-            <a:r>
-              <a:rPr lang="zh-CN" altLang="en-US" sz="1050" dirty="0">
-                <a:solidFill>
-                  <a:srgbClr val="000000">
-                    <a:lumMod val="85000"/>
-                    <a:lumOff val="15000"/>
-                  </a:srgbClr>
-                </a:solidFill>
-                <a:latin typeface="微软雅黑" charset="0"/>
-                <a:ea typeface="微软雅黑" charset="0"/>
-              </a:rPr>
-              <a:t>后台</a:t>
-            </a:r>
-            <a:endParaRPr lang="en-US" altLang="zh-CN" sz="1050" dirty="0">
-              <a:solidFill>
-                <a:srgbClr val="000000">
-                  <a:lumMod val="85000"/>
-                  <a:lumOff val="15000"/>
-                </a:srgbClr>
-              </a:solidFill>
-              <a:latin typeface="微软雅黑" charset="0"/>
-              <a:ea typeface="微软雅黑" charset="0"/>
-            </a:endParaRPr>
-          </a:p>
-          <a:p>
-            <a:pPr>
-              <a:lnSpc>
-                <a:spcPct val="130000"/>
-              </a:lnSpc>
-            </a:pPr>
-            <a:r>
-              <a:rPr lang="zh-CN" altLang="en-US" sz="1050" dirty="0">
-                <a:solidFill>
-                  <a:srgbClr val="000000">
-                    <a:lumMod val="85000"/>
-                    <a:lumOff val="15000"/>
-                  </a:srgbClr>
-                </a:solidFill>
-                <a:latin typeface="微软雅黑" charset="0"/>
-                <a:ea typeface="微软雅黑" charset="0"/>
-              </a:rPr>
-              <a:t>测试</a:t>
-            </a:r>
-            <a:endParaRPr lang="zh-CN" altLang="en-US" sz="1050" dirty="0">
-              <a:solidFill>
-                <a:srgbClr val="000000">
-                  <a:lumMod val="85000"/>
-                  <a:lumOff val="15000"/>
-                </a:srgbClr>
-              </a:solidFill>
-              <a:latin typeface="微软雅黑"/>
-              <a:ea typeface="微软雅黑"/>
-            </a:endParaRPr>
-          </a:p>
-        </p:txBody>
-      </p:sp>
-      <p:sp>
-        <p:nvSpPr>
-          <p:cNvPr id="37" name="矩形 36">
-            <a:extLst>
-              <a:ext uri="{FF2B5EF4-FFF2-40B4-BE49-F238E27FC236}">
-                <a16:creationId xmlns:a16="http://schemas.microsoft.com/office/drawing/2014/main" id="{F488299F-FDF9-6D44-B735-EE6CB4CA86AB}"/>
-              </a:ext>
-            </a:extLst>
-          </p:cNvPr>
-          <p:cNvSpPr/>
-          <p:nvPr/>
-        </p:nvSpPr>
-        <p:spPr>
-          <a:xfrm>
-            <a:off x="331098" y="1281512"/>
-            <a:ext cx="2954655" cy="461665"/>
-          </a:xfrm>
-          <a:prstGeom prst="rect">
-            <a:avLst/>
-          </a:prstGeom>
-        </p:spPr>
-        <p:txBody>
-          <a:bodyPr wrap="none">
-            <a:spAutoFit/>
-          </a:bodyPr>
-          <a:lstStyle/>
-          <a:p>
-            <a:r>
-              <a:rPr lang="zh-CN" altLang="en-US" sz="2400" b="1" dirty="0">
-                <a:solidFill>
-                  <a:srgbClr val="000000">
-                    <a:lumMod val="85000"/>
-                    <a:lumOff val="15000"/>
-                  </a:srgbClr>
-                </a:solidFill>
-                <a:latin typeface="微软雅黑"/>
-                <a:ea typeface="微软雅黑"/>
-              </a:rPr>
-              <a:t>常被忽略的调研步骤</a:t>
-            </a:r>
-          </a:p>
-        </p:txBody>
-      </p:sp>
-    </p:spTree>
-    <p:extLst>
-      <p:ext uri="{BB962C8B-B14F-4D97-AF65-F5344CB8AC3E}">
-        <p14:creationId xmlns:p14="http://schemas.microsoft.com/office/powerpoint/2010/main" val="1926228785"/>
-      </p:ext>
-    </p:extLst>
-  </p:cSld>
-  <p:clrMapOvr>
-    <a:masterClrMapping/>
-  </p:clrMapOvr>
-  <mc:AlternateContent xmlns:mc="http://schemas.openxmlformats.org/markup-compatibility/2006" xmlns:p14="http://schemas.microsoft.com/office/powerpoint/2010/main">
-    <mc:Choice Requires="p14">
-      <p:transition spd="med" p14:dur="700">
-        <p:fade/>
-      </p:transition>
-    </mc:Choice>
-    <mc:Fallback xmlns="">
-      <p:transition spd="med">
-        <p:fade/>
       </p:transition>
     </mc:Fallback>
   </mc:AlternateContent>
